--- a/talks/meetup_munich_1/Ethereum.pptx
+++ b/talks/meetup_munich_1/Ethereum.pptx
@@ -43,7 +43,7 @@
       </p:grpSpPr>
       <p:sp>
         <p:nvSpPr>
-          <p:cNvPr id="75" name="PlaceHolder 1"/>
+          <p:cNvPr id="72" name="PlaceHolder 1"/>
           <p:cNvSpPr>
             <a:spLocks noGrp="1"/>
           </p:cNvSpPr>
@@ -75,7 +75,7 @@
       </p:sp>
       <p:sp>
         <p:nvSpPr>
-          <p:cNvPr id="76" name="PlaceHolder 2"/>
+          <p:cNvPr id="73" name="PlaceHolder 2"/>
           <p:cNvSpPr>
             <a:spLocks noGrp="1"/>
           </p:cNvSpPr>
@@ -107,7 +107,7 @@
       </p:sp>
       <p:sp>
         <p:nvSpPr>
-          <p:cNvPr id="77" name="PlaceHolder 3"/>
+          <p:cNvPr id="74" name="PlaceHolder 3"/>
           <p:cNvSpPr>
             <a:spLocks noGrp="1"/>
           </p:cNvSpPr>
@@ -140,7 +140,7 @@
       </p:sp>
       <p:sp>
         <p:nvSpPr>
-          <p:cNvPr id="78" name="PlaceHolder 4"/>
+          <p:cNvPr id="75" name="PlaceHolder 4"/>
           <p:cNvSpPr>
             <a:spLocks noGrp="1"/>
           </p:cNvSpPr>
@@ -172,7 +172,7 @@
       </p:sp>
       <p:sp>
         <p:nvSpPr>
-          <p:cNvPr id="79" name="PlaceHolder 5"/>
+          <p:cNvPr id="76" name="PlaceHolder 5"/>
           <p:cNvSpPr>
             <a:spLocks noGrp="1"/>
           </p:cNvSpPr>
@@ -193,7 +193,7 @@
           <a:bodyPr lIns="0" rIns="0" tIns="0" bIns="0" anchor="b"/>
           <a:p>
             <a:pPr algn="r"/>
-            <a:fld id="{78A5272C-587B-4CE5-99CC-74BE904F1837}" type="slidenum">
+            <a:fld id="{5FB67EB2-89B6-40A1-B835-DFA29FB4CB96}" type="slidenum">
               <a:rPr lang="en-GB" sz="1400" spc="-1">
                 <a:latin typeface="Times New Roman"/>
               </a:rPr>
@@ -228,7 +228,7 @@
       </p:grpSpPr>
       <p:sp>
         <p:nvSpPr>
-          <p:cNvPr id="110" name="PlaceHolder 1"/>
+          <p:cNvPr id="108" name="PlaceHolder 1"/>
           <p:cNvSpPr>
             <a:spLocks noGrp="1"/>
           </p:cNvSpPr>
@@ -239,16 +239,16 @@
         <p:spPr>
           <a:xfrm>
             <a:off x="685800" y="4343400"/>
-            <a:ext cx="5486040" cy="4114440"/>
-          </a:xfrm>
-          <a:prstGeom prst="rect">
-            <a:avLst/>
-          </a:prstGeom>
-        </p:spPr>
-        <p:txBody>
-          <a:bodyPr tIns="91440" bIns="91440"/>
-          <a:p>
-            <a:pPr marL="216000" indent="-216000">
+            <a:ext cx="5485320" cy="4113720"/>
+          </a:xfrm>
+          <a:prstGeom prst="rect">
+            <a:avLst/>
+          </a:prstGeom>
+        </p:spPr>
+        <p:txBody>
+          <a:bodyPr lIns="0" rIns="0" tIns="91440" bIns="91440"/>
+          <a:p>
+            <a:pPr marL="216000" indent="-215280">
               <a:lnSpc>
                 <a:spcPct val="100000"/>
               </a:lnSpc>
@@ -267,7 +267,7 @@
             <a:endParaRPr/>
           </a:p>
           <a:p>
-            <a:pPr marL="216000" indent="-216000">
+            <a:pPr marL="216000" indent="-215280">
               <a:lnSpc>
                 <a:spcPct val="100000"/>
               </a:lnSpc>
@@ -333,7 +333,7 @@
       </p:grpSpPr>
       <p:sp>
         <p:nvSpPr>
-          <p:cNvPr id="25" name="PlaceHolder 1"/>
+          <p:cNvPr id="23" name="PlaceHolder 1"/>
           <p:cNvSpPr>
             <a:spLocks noGrp="1"/>
           </p:cNvSpPr>
@@ -343,8 +343,8 @@
         </p:nvSpPr>
         <p:spPr>
           <a:xfrm>
-            <a:off x="311760" y="444960"/>
-            <a:ext cx="8520120" cy="572400"/>
+            <a:off x="457200" y="205200"/>
+            <a:ext cx="8229240" cy="858600"/>
           </a:xfrm>
           <a:prstGeom prst="rect">
             <a:avLst/>
@@ -353,13 +353,14 @@
         <p:txBody>
           <a:bodyPr lIns="0" rIns="0" tIns="0" bIns="0" anchor="ctr"/>
           <a:p>
-            <a:endParaRPr/>
-          </a:p>
-        </p:txBody>
-      </p:sp>
-      <p:sp>
-        <p:nvSpPr>
-          <p:cNvPr id="26" name="PlaceHolder 2"/>
+            <a:pPr algn="ctr"/>
+            <a:endParaRPr/>
+          </a:p>
+        </p:txBody>
+      </p:sp>
+      <p:sp>
+        <p:nvSpPr>
+          <p:cNvPr id="24" name="PlaceHolder 2"/>
           <p:cNvSpPr>
             <a:spLocks noGrp="1"/>
           </p:cNvSpPr>
@@ -369,8 +370,8 @@
         </p:nvSpPr>
         <p:spPr>
           <a:xfrm>
-            <a:off x="311760" y="1152360"/>
-            <a:ext cx="8520120" cy="1629360"/>
+            <a:off x="457200" y="1203480"/>
+            <a:ext cx="8229240" cy="1422720"/>
           </a:xfrm>
           <a:prstGeom prst="rect">
             <a:avLst/>
@@ -385,7 +386,7 @@
       </p:sp>
       <p:sp>
         <p:nvSpPr>
-          <p:cNvPr id="27" name="PlaceHolder 3"/>
+          <p:cNvPr id="25" name="PlaceHolder 3"/>
           <p:cNvSpPr>
             <a:spLocks noGrp="1"/>
           </p:cNvSpPr>
@@ -395,8 +396,8 @@
         </p:nvSpPr>
         <p:spPr>
           <a:xfrm>
-            <a:off x="311760" y="2936880"/>
-            <a:ext cx="8520120" cy="1629360"/>
+            <a:off x="457200" y="2761920"/>
+            <a:ext cx="8229240" cy="1422720"/>
           </a:xfrm>
           <a:prstGeom prst="rect">
             <a:avLst/>
@@ -433,7 +434,7 @@
       </p:grpSpPr>
       <p:sp>
         <p:nvSpPr>
-          <p:cNvPr id="28" name="PlaceHolder 1"/>
+          <p:cNvPr id="26" name="PlaceHolder 1"/>
           <p:cNvSpPr>
             <a:spLocks noGrp="1"/>
           </p:cNvSpPr>
@@ -443,8 +444,8 @@
         </p:nvSpPr>
         <p:spPr>
           <a:xfrm>
-            <a:off x="311760" y="444960"/>
-            <a:ext cx="8520120" cy="572400"/>
+            <a:off x="457200" y="205200"/>
+            <a:ext cx="8229240" cy="858600"/>
           </a:xfrm>
           <a:prstGeom prst="rect">
             <a:avLst/>
@@ -453,13 +454,14 @@
         <p:txBody>
           <a:bodyPr lIns="0" rIns="0" tIns="0" bIns="0" anchor="ctr"/>
           <a:p>
-            <a:endParaRPr/>
-          </a:p>
-        </p:txBody>
-      </p:sp>
-      <p:sp>
-        <p:nvSpPr>
-          <p:cNvPr id="29" name="PlaceHolder 2"/>
+            <a:pPr algn="ctr"/>
+            <a:endParaRPr/>
+          </a:p>
+        </p:txBody>
+      </p:sp>
+      <p:sp>
+        <p:nvSpPr>
+          <p:cNvPr id="27" name="PlaceHolder 2"/>
           <p:cNvSpPr>
             <a:spLocks noGrp="1"/>
           </p:cNvSpPr>
@@ -469,8 +471,8 @@
         </p:nvSpPr>
         <p:spPr>
           <a:xfrm>
-            <a:off x="311760" y="1152360"/>
-            <a:ext cx="4157640" cy="1629360"/>
+            <a:off x="457200" y="1203480"/>
+            <a:ext cx="4015800" cy="1422720"/>
           </a:xfrm>
           <a:prstGeom prst="rect">
             <a:avLst/>
@@ -485,7 +487,7 @@
       </p:sp>
       <p:sp>
         <p:nvSpPr>
-          <p:cNvPr id="30" name="PlaceHolder 3"/>
+          <p:cNvPr id="28" name="PlaceHolder 3"/>
           <p:cNvSpPr>
             <a:spLocks noGrp="1"/>
           </p:cNvSpPr>
@@ -495,8 +497,8 @@
         </p:nvSpPr>
         <p:spPr>
           <a:xfrm>
-            <a:off x="4677840" y="1152360"/>
-            <a:ext cx="4157640" cy="1629360"/>
+            <a:off x="4674240" y="1203480"/>
+            <a:ext cx="4015800" cy="1422720"/>
           </a:xfrm>
           <a:prstGeom prst="rect">
             <a:avLst/>
@@ -511,7 +513,7 @@
       </p:sp>
       <p:sp>
         <p:nvSpPr>
-          <p:cNvPr id="31" name="PlaceHolder 4"/>
+          <p:cNvPr id="29" name="PlaceHolder 4"/>
           <p:cNvSpPr>
             <a:spLocks noGrp="1"/>
           </p:cNvSpPr>
@@ -521,8 +523,8 @@
         </p:nvSpPr>
         <p:spPr>
           <a:xfrm>
-            <a:off x="4677840" y="2936880"/>
-            <a:ext cx="4157640" cy="1629360"/>
+            <a:off x="4674240" y="2761920"/>
+            <a:ext cx="4015800" cy="1422720"/>
           </a:xfrm>
           <a:prstGeom prst="rect">
             <a:avLst/>
@@ -537,7 +539,7 @@
       </p:sp>
       <p:sp>
         <p:nvSpPr>
-          <p:cNvPr id="32" name="PlaceHolder 5"/>
+          <p:cNvPr id="30" name="PlaceHolder 5"/>
           <p:cNvSpPr>
             <a:spLocks noGrp="1"/>
           </p:cNvSpPr>
@@ -547,8 +549,8 @@
         </p:nvSpPr>
         <p:spPr>
           <a:xfrm>
-            <a:off x="311760" y="2936880"/>
-            <a:ext cx="4157640" cy="1629360"/>
+            <a:off x="457200" y="2761920"/>
+            <a:ext cx="4015800" cy="1422720"/>
           </a:xfrm>
           <a:prstGeom prst="rect">
             <a:avLst/>
@@ -585,7 +587,7 @@
       </p:grpSpPr>
       <p:sp>
         <p:nvSpPr>
-          <p:cNvPr id="33" name="PlaceHolder 1"/>
+          <p:cNvPr id="31" name="PlaceHolder 1"/>
           <p:cNvSpPr>
             <a:spLocks noGrp="1"/>
           </p:cNvSpPr>
@@ -595,8 +597,8 @@
         </p:nvSpPr>
         <p:spPr>
           <a:xfrm>
-            <a:off x="311760" y="444960"/>
-            <a:ext cx="8520120" cy="572400"/>
+            <a:off x="457200" y="205200"/>
+            <a:ext cx="8229240" cy="858600"/>
           </a:xfrm>
           <a:prstGeom prst="rect">
             <a:avLst/>
@@ -605,13 +607,14 @@
         <p:txBody>
           <a:bodyPr lIns="0" rIns="0" tIns="0" bIns="0" anchor="ctr"/>
           <a:p>
-            <a:endParaRPr/>
-          </a:p>
-        </p:txBody>
-      </p:sp>
-      <p:sp>
-        <p:nvSpPr>
-          <p:cNvPr id="34" name="PlaceHolder 2"/>
+            <a:pPr algn="ctr"/>
+            <a:endParaRPr/>
+          </a:p>
+        </p:txBody>
+      </p:sp>
+      <p:sp>
+        <p:nvSpPr>
+          <p:cNvPr id="32" name="PlaceHolder 2"/>
           <p:cNvSpPr>
             <a:spLocks noGrp="1"/>
           </p:cNvSpPr>
@@ -621,8 +624,8 @@
         </p:nvSpPr>
         <p:spPr>
           <a:xfrm>
-            <a:off x="311760" y="1152360"/>
-            <a:ext cx="8520120" cy="3416040"/>
+            <a:off x="457200" y="1203480"/>
+            <a:ext cx="8229240" cy="2982960"/>
           </a:xfrm>
           <a:prstGeom prst="rect">
             <a:avLst/>
@@ -637,7 +640,7 @@
       </p:sp>
       <p:sp>
         <p:nvSpPr>
-          <p:cNvPr id="35" name="PlaceHolder 3"/>
+          <p:cNvPr id="33" name="PlaceHolder 3"/>
           <p:cNvSpPr>
             <a:spLocks noGrp="1"/>
           </p:cNvSpPr>
@@ -647,8 +650,8 @@
         </p:nvSpPr>
         <p:spPr>
           <a:xfrm>
-            <a:off x="311760" y="1152360"/>
-            <a:ext cx="8520120" cy="3416040"/>
+            <a:off x="457200" y="1203480"/>
+            <a:ext cx="8229240" cy="2982960"/>
           </a:xfrm>
           <a:prstGeom prst="rect">
             <a:avLst/>
@@ -663,7 +666,7 @@
       </p:sp>
       <p:pic>
         <p:nvPicPr>
-          <p:cNvPr id="36" name="" descr=""/>
+          <p:cNvPr id="34" name="" descr=""/>
           <p:cNvPicPr/>
           <p:nvPr/>
         </p:nvPicPr>
@@ -673,8 +676,8 @@
         </p:blipFill>
         <p:spPr>
           <a:xfrm>
-            <a:off x="2430720" y="1152000"/>
-            <a:ext cx="4281840" cy="3416040"/>
+            <a:off x="2702160" y="1203480"/>
+            <a:ext cx="3738960" cy="2982960"/>
           </a:xfrm>
           <a:prstGeom prst="rect">
             <a:avLst/>
@@ -686,7 +689,7 @@
       </p:pic>
       <p:pic>
         <p:nvPicPr>
-          <p:cNvPr id="37" name="" descr=""/>
+          <p:cNvPr id="35" name="" descr=""/>
           <p:cNvPicPr/>
           <p:nvPr/>
         </p:nvPicPr>
@@ -696,8 +699,8 @@
         </p:blipFill>
         <p:spPr>
           <a:xfrm>
-            <a:off x="2430720" y="1152000"/>
-            <a:ext cx="4281840" cy="3416040"/>
+            <a:off x="2702160" y="1203480"/>
+            <a:ext cx="3738960" cy="2982960"/>
           </a:xfrm>
           <a:prstGeom prst="rect">
             <a:avLst/>
@@ -753,7 +756,7 @@
       </p:grpSpPr>
       <p:sp>
         <p:nvSpPr>
-          <p:cNvPr id="41" name="PlaceHolder 1"/>
+          <p:cNvPr id="38" name="PlaceHolder 1"/>
           <p:cNvSpPr>
             <a:spLocks noGrp="1"/>
           </p:cNvSpPr>
@@ -763,8 +766,8 @@
         </p:nvSpPr>
         <p:spPr>
           <a:xfrm>
-            <a:off x="311760" y="444960"/>
-            <a:ext cx="8520120" cy="572400"/>
+            <a:off x="457200" y="205200"/>
+            <a:ext cx="8229240" cy="858600"/>
           </a:xfrm>
           <a:prstGeom prst="rect">
             <a:avLst/>
@@ -773,13 +776,14 @@
         <p:txBody>
           <a:bodyPr lIns="0" rIns="0" tIns="0" bIns="0" anchor="ctr"/>
           <a:p>
-            <a:endParaRPr/>
-          </a:p>
-        </p:txBody>
-      </p:sp>
-      <p:sp>
-        <p:nvSpPr>
-          <p:cNvPr id="42" name="PlaceHolder 2"/>
+            <a:pPr algn="ctr"/>
+            <a:endParaRPr/>
+          </a:p>
+        </p:txBody>
+      </p:sp>
+      <p:sp>
+        <p:nvSpPr>
+          <p:cNvPr id="39" name="PlaceHolder 2"/>
           <p:cNvSpPr>
             <a:spLocks noGrp="1"/>
           </p:cNvSpPr>
@@ -789,8 +793,8 @@
         </p:nvSpPr>
         <p:spPr>
           <a:xfrm>
-            <a:off x="311760" y="1152360"/>
-            <a:ext cx="8520120" cy="3416040"/>
+            <a:off x="457200" y="1203480"/>
+            <a:ext cx="8229240" cy="2982960"/>
           </a:xfrm>
           <a:prstGeom prst="rect">
             <a:avLst/>
@@ -828,7 +832,7 @@
       </p:grpSpPr>
       <p:sp>
         <p:nvSpPr>
-          <p:cNvPr id="43" name="PlaceHolder 1"/>
+          <p:cNvPr id="40" name="PlaceHolder 1"/>
           <p:cNvSpPr>
             <a:spLocks noGrp="1"/>
           </p:cNvSpPr>
@@ -838,8 +842,8 @@
         </p:nvSpPr>
         <p:spPr>
           <a:xfrm>
-            <a:off x="311760" y="444960"/>
-            <a:ext cx="8520120" cy="572400"/>
+            <a:off x="457200" y="205200"/>
+            <a:ext cx="8229240" cy="858600"/>
           </a:xfrm>
           <a:prstGeom prst="rect">
             <a:avLst/>
@@ -848,13 +852,14 @@
         <p:txBody>
           <a:bodyPr lIns="0" rIns="0" tIns="0" bIns="0" anchor="ctr"/>
           <a:p>
-            <a:endParaRPr/>
-          </a:p>
-        </p:txBody>
-      </p:sp>
-      <p:sp>
-        <p:nvSpPr>
-          <p:cNvPr id="44" name="PlaceHolder 2"/>
+            <a:pPr algn="ctr"/>
+            <a:endParaRPr/>
+          </a:p>
+        </p:txBody>
+      </p:sp>
+      <p:sp>
+        <p:nvSpPr>
+          <p:cNvPr id="41" name="PlaceHolder 2"/>
           <p:cNvSpPr>
             <a:spLocks noGrp="1"/>
           </p:cNvSpPr>
@@ -864,8 +869,8 @@
         </p:nvSpPr>
         <p:spPr>
           <a:xfrm>
-            <a:off x="311760" y="1152360"/>
-            <a:ext cx="8520120" cy="3416040"/>
+            <a:off x="457200" y="1203480"/>
+            <a:ext cx="8229240" cy="2982960"/>
           </a:xfrm>
           <a:prstGeom prst="rect">
             <a:avLst/>
@@ -902,7 +907,7 @@
       </p:grpSpPr>
       <p:sp>
         <p:nvSpPr>
-          <p:cNvPr id="45" name="PlaceHolder 1"/>
+          <p:cNvPr id="42" name="PlaceHolder 1"/>
           <p:cNvSpPr>
             <a:spLocks noGrp="1"/>
           </p:cNvSpPr>
@@ -912,8 +917,8 @@
         </p:nvSpPr>
         <p:spPr>
           <a:xfrm>
-            <a:off x="311760" y="444960"/>
-            <a:ext cx="8520120" cy="572400"/>
+            <a:off x="457200" y="205200"/>
+            <a:ext cx="8229240" cy="858600"/>
           </a:xfrm>
           <a:prstGeom prst="rect">
             <a:avLst/>
@@ -922,13 +927,14 @@
         <p:txBody>
           <a:bodyPr lIns="0" rIns="0" tIns="0" bIns="0" anchor="ctr"/>
           <a:p>
-            <a:endParaRPr/>
-          </a:p>
-        </p:txBody>
-      </p:sp>
-      <p:sp>
-        <p:nvSpPr>
-          <p:cNvPr id="46" name="PlaceHolder 2"/>
+            <a:pPr algn="ctr"/>
+            <a:endParaRPr/>
+          </a:p>
+        </p:txBody>
+      </p:sp>
+      <p:sp>
+        <p:nvSpPr>
+          <p:cNvPr id="43" name="PlaceHolder 2"/>
           <p:cNvSpPr>
             <a:spLocks noGrp="1"/>
           </p:cNvSpPr>
@@ -938,8 +944,8 @@
         </p:nvSpPr>
         <p:spPr>
           <a:xfrm>
-            <a:off x="311760" y="1152360"/>
-            <a:ext cx="4157640" cy="3416040"/>
+            <a:off x="457200" y="1203480"/>
+            <a:ext cx="4015800" cy="2982960"/>
           </a:xfrm>
           <a:prstGeom prst="rect">
             <a:avLst/>
@@ -954,7 +960,7 @@
       </p:sp>
       <p:sp>
         <p:nvSpPr>
-          <p:cNvPr id="47" name="PlaceHolder 3"/>
+          <p:cNvPr id="44" name="PlaceHolder 3"/>
           <p:cNvSpPr>
             <a:spLocks noGrp="1"/>
           </p:cNvSpPr>
@@ -964,8 +970,8 @@
         </p:nvSpPr>
         <p:spPr>
           <a:xfrm>
-            <a:off x="4677840" y="1152360"/>
-            <a:ext cx="4157640" cy="3416040"/>
+            <a:off x="4674240" y="1203480"/>
+            <a:ext cx="4015800" cy="2982960"/>
           </a:xfrm>
           <a:prstGeom prst="rect">
             <a:avLst/>
@@ -1002,7 +1008,7 @@
       </p:grpSpPr>
       <p:sp>
         <p:nvSpPr>
-          <p:cNvPr id="48" name="PlaceHolder 1"/>
+          <p:cNvPr id="45" name="PlaceHolder 1"/>
           <p:cNvSpPr>
             <a:spLocks noGrp="1"/>
           </p:cNvSpPr>
@@ -1012,8 +1018,8 @@
         </p:nvSpPr>
         <p:spPr>
           <a:xfrm>
-            <a:off x="311760" y="444960"/>
-            <a:ext cx="8520120" cy="572400"/>
+            <a:off x="457200" y="205200"/>
+            <a:ext cx="8229240" cy="858600"/>
           </a:xfrm>
           <a:prstGeom prst="rect">
             <a:avLst/>
@@ -1022,6 +1028,7 @@
         <p:txBody>
           <a:bodyPr lIns="0" rIns="0" tIns="0" bIns="0" anchor="ctr"/>
           <a:p>
+            <a:pPr algn="ctr"/>
             <a:endParaRPr/>
           </a:p>
         </p:txBody>
@@ -1050,7 +1057,7 @@
       </p:grpSpPr>
       <p:sp>
         <p:nvSpPr>
-          <p:cNvPr id="49" name="PlaceHolder 1"/>
+          <p:cNvPr id="46" name="PlaceHolder 1"/>
           <p:cNvSpPr>
             <a:spLocks noGrp="1"/>
           </p:cNvSpPr>
@@ -1060,8 +1067,8 @@
         </p:nvSpPr>
         <p:spPr>
           <a:xfrm>
-            <a:off x="311760" y="444960"/>
-            <a:ext cx="8520120" cy="2654640"/>
+            <a:off x="457200" y="205200"/>
+            <a:ext cx="8229240" cy="3981240"/>
           </a:xfrm>
           <a:prstGeom prst="rect">
             <a:avLst/>
@@ -1099,7 +1106,7 @@
       </p:grpSpPr>
       <p:sp>
         <p:nvSpPr>
-          <p:cNvPr id="50" name="PlaceHolder 1"/>
+          <p:cNvPr id="47" name="PlaceHolder 1"/>
           <p:cNvSpPr>
             <a:spLocks noGrp="1"/>
           </p:cNvSpPr>
@@ -1109,8 +1116,8 @@
         </p:nvSpPr>
         <p:spPr>
           <a:xfrm>
-            <a:off x="311760" y="444960"/>
-            <a:ext cx="8520120" cy="572400"/>
+            <a:off x="457200" y="205200"/>
+            <a:ext cx="8229240" cy="858600"/>
           </a:xfrm>
           <a:prstGeom prst="rect">
             <a:avLst/>
@@ -1119,13 +1126,14 @@
         <p:txBody>
           <a:bodyPr lIns="0" rIns="0" tIns="0" bIns="0" anchor="ctr"/>
           <a:p>
-            <a:endParaRPr/>
-          </a:p>
-        </p:txBody>
-      </p:sp>
-      <p:sp>
-        <p:nvSpPr>
-          <p:cNvPr id="51" name="PlaceHolder 2"/>
+            <a:pPr algn="ctr"/>
+            <a:endParaRPr/>
+          </a:p>
+        </p:txBody>
+      </p:sp>
+      <p:sp>
+        <p:nvSpPr>
+          <p:cNvPr id="48" name="PlaceHolder 2"/>
           <p:cNvSpPr>
             <a:spLocks noGrp="1"/>
           </p:cNvSpPr>
@@ -1135,8 +1143,8 @@
         </p:nvSpPr>
         <p:spPr>
           <a:xfrm>
-            <a:off x="311760" y="1152360"/>
-            <a:ext cx="4157640" cy="1629360"/>
+            <a:off x="457200" y="1203480"/>
+            <a:ext cx="4015800" cy="1422720"/>
           </a:xfrm>
           <a:prstGeom prst="rect">
             <a:avLst/>
@@ -1151,7 +1159,7 @@
       </p:sp>
       <p:sp>
         <p:nvSpPr>
-          <p:cNvPr id="52" name="PlaceHolder 3"/>
+          <p:cNvPr id="49" name="PlaceHolder 3"/>
           <p:cNvSpPr>
             <a:spLocks noGrp="1"/>
           </p:cNvSpPr>
@@ -1161,8 +1169,8 @@
         </p:nvSpPr>
         <p:spPr>
           <a:xfrm>
-            <a:off x="311760" y="2936880"/>
-            <a:ext cx="4157640" cy="1629360"/>
+            <a:off x="457200" y="2761920"/>
+            <a:ext cx="4015800" cy="1422720"/>
           </a:xfrm>
           <a:prstGeom prst="rect">
             <a:avLst/>
@@ -1177,7 +1185,7 @@
       </p:sp>
       <p:sp>
         <p:nvSpPr>
-          <p:cNvPr id="53" name="PlaceHolder 4"/>
+          <p:cNvPr id="50" name="PlaceHolder 4"/>
           <p:cNvSpPr>
             <a:spLocks noGrp="1"/>
           </p:cNvSpPr>
@@ -1187,8 +1195,8 @@
         </p:nvSpPr>
         <p:spPr>
           <a:xfrm>
-            <a:off x="4677840" y="1152360"/>
-            <a:ext cx="4157640" cy="3416040"/>
+            <a:off x="4674240" y="1203480"/>
+            <a:ext cx="4015800" cy="2982960"/>
           </a:xfrm>
           <a:prstGeom prst="rect">
             <a:avLst/>
@@ -1225,7 +1233,7 @@
       </p:grpSpPr>
       <p:sp>
         <p:nvSpPr>
-          <p:cNvPr id="4" name="PlaceHolder 1"/>
+          <p:cNvPr id="2" name="PlaceHolder 1"/>
           <p:cNvSpPr>
             <a:spLocks noGrp="1"/>
           </p:cNvSpPr>
@@ -1235,8 +1243,8 @@
         </p:nvSpPr>
         <p:spPr>
           <a:xfrm>
-            <a:off x="311760" y="444960"/>
-            <a:ext cx="8520120" cy="572400"/>
+            <a:off x="457200" y="205200"/>
+            <a:ext cx="8229240" cy="858600"/>
           </a:xfrm>
           <a:prstGeom prst="rect">
             <a:avLst/>
@@ -1245,13 +1253,14 @@
         <p:txBody>
           <a:bodyPr lIns="0" rIns="0" tIns="0" bIns="0" anchor="ctr"/>
           <a:p>
-            <a:endParaRPr/>
-          </a:p>
-        </p:txBody>
-      </p:sp>
-      <p:sp>
-        <p:nvSpPr>
-          <p:cNvPr id="5" name="PlaceHolder 2"/>
+            <a:pPr algn="ctr"/>
+            <a:endParaRPr/>
+          </a:p>
+        </p:txBody>
+      </p:sp>
+      <p:sp>
+        <p:nvSpPr>
+          <p:cNvPr id="3" name="PlaceHolder 2"/>
           <p:cNvSpPr>
             <a:spLocks noGrp="1"/>
           </p:cNvSpPr>
@@ -1261,8 +1270,8 @@
         </p:nvSpPr>
         <p:spPr>
           <a:xfrm>
-            <a:off x="311760" y="1152360"/>
-            <a:ext cx="8520120" cy="3416040"/>
+            <a:off x="457200" y="1203480"/>
+            <a:ext cx="8229240" cy="2982960"/>
           </a:xfrm>
           <a:prstGeom prst="rect">
             <a:avLst/>
@@ -1300,7 +1309,7 @@
       </p:grpSpPr>
       <p:sp>
         <p:nvSpPr>
-          <p:cNvPr id="54" name="PlaceHolder 1"/>
+          <p:cNvPr id="51" name="PlaceHolder 1"/>
           <p:cNvSpPr>
             <a:spLocks noGrp="1"/>
           </p:cNvSpPr>
@@ -1310,8 +1319,8 @@
         </p:nvSpPr>
         <p:spPr>
           <a:xfrm>
-            <a:off x="311760" y="444960"/>
-            <a:ext cx="8520120" cy="572400"/>
+            <a:off x="457200" y="205200"/>
+            <a:ext cx="8229240" cy="858600"/>
           </a:xfrm>
           <a:prstGeom prst="rect">
             <a:avLst/>
@@ -1320,13 +1329,14 @@
         <p:txBody>
           <a:bodyPr lIns="0" rIns="0" tIns="0" bIns="0" anchor="ctr"/>
           <a:p>
-            <a:endParaRPr/>
-          </a:p>
-        </p:txBody>
-      </p:sp>
-      <p:sp>
-        <p:nvSpPr>
-          <p:cNvPr id="55" name="PlaceHolder 2"/>
+            <a:pPr algn="ctr"/>
+            <a:endParaRPr/>
+          </a:p>
+        </p:txBody>
+      </p:sp>
+      <p:sp>
+        <p:nvSpPr>
+          <p:cNvPr id="52" name="PlaceHolder 2"/>
           <p:cNvSpPr>
             <a:spLocks noGrp="1"/>
           </p:cNvSpPr>
@@ -1336,8 +1346,8 @@
         </p:nvSpPr>
         <p:spPr>
           <a:xfrm>
-            <a:off x="311760" y="1152360"/>
-            <a:ext cx="4157640" cy="3416040"/>
+            <a:off x="457200" y="1203480"/>
+            <a:ext cx="4015800" cy="2982960"/>
           </a:xfrm>
           <a:prstGeom prst="rect">
             <a:avLst/>
@@ -1352,7 +1362,7 @@
       </p:sp>
       <p:sp>
         <p:nvSpPr>
-          <p:cNvPr id="56" name="PlaceHolder 3"/>
+          <p:cNvPr id="53" name="PlaceHolder 3"/>
           <p:cNvSpPr>
             <a:spLocks noGrp="1"/>
           </p:cNvSpPr>
@@ -1362,8 +1372,8 @@
         </p:nvSpPr>
         <p:spPr>
           <a:xfrm>
-            <a:off x="4677840" y="1152360"/>
-            <a:ext cx="4157640" cy="1629360"/>
+            <a:off x="4674240" y="1203480"/>
+            <a:ext cx="4015800" cy="1422720"/>
           </a:xfrm>
           <a:prstGeom prst="rect">
             <a:avLst/>
@@ -1378,7 +1388,7 @@
       </p:sp>
       <p:sp>
         <p:nvSpPr>
-          <p:cNvPr id="57" name="PlaceHolder 4"/>
+          <p:cNvPr id="54" name="PlaceHolder 4"/>
           <p:cNvSpPr>
             <a:spLocks noGrp="1"/>
           </p:cNvSpPr>
@@ -1388,8 +1398,8 @@
         </p:nvSpPr>
         <p:spPr>
           <a:xfrm>
-            <a:off x="4677840" y="2936880"/>
-            <a:ext cx="4157640" cy="1629360"/>
+            <a:off x="4674240" y="2761920"/>
+            <a:ext cx="4015800" cy="1422720"/>
           </a:xfrm>
           <a:prstGeom prst="rect">
             <a:avLst/>
@@ -1426,7 +1436,7 @@
       </p:grpSpPr>
       <p:sp>
         <p:nvSpPr>
-          <p:cNvPr id="58" name="PlaceHolder 1"/>
+          <p:cNvPr id="55" name="PlaceHolder 1"/>
           <p:cNvSpPr>
             <a:spLocks noGrp="1"/>
           </p:cNvSpPr>
@@ -1436,8 +1446,8 @@
         </p:nvSpPr>
         <p:spPr>
           <a:xfrm>
-            <a:off x="311760" y="444960"/>
-            <a:ext cx="8520120" cy="572400"/>
+            <a:off x="457200" y="205200"/>
+            <a:ext cx="8229240" cy="858600"/>
           </a:xfrm>
           <a:prstGeom prst="rect">
             <a:avLst/>
@@ -1446,13 +1456,14 @@
         <p:txBody>
           <a:bodyPr lIns="0" rIns="0" tIns="0" bIns="0" anchor="ctr"/>
           <a:p>
-            <a:endParaRPr/>
-          </a:p>
-        </p:txBody>
-      </p:sp>
-      <p:sp>
-        <p:nvSpPr>
-          <p:cNvPr id="59" name="PlaceHolder 2"/>
+            <a:pPr algn="ctr"/>
+            <a:endParaRPr/>
+          </a:p>
+        </p:txBody>
+      </p:sp>
+      <p:sp>
+        <p:nvSpPr>
+          <p:cNvPr id="56" name="PlaceHolder 2"/>
           <p:cNvSpPr>
             <a:spLocks noGrp="1"/>
           </p:cNvSpPr>
@@ -1462,8 +1473,8 @@
         </p:nvSpPr>
         <p:spPr>
           <a:xfrm>
-            <a:off x="311760" y="1152360"/>
-            <a:ext cx="4157640" cy="1629360"/>
+            <a:off x="457200" y="1203480"/>
+            <a:ext cx="4015800" cy="1422720"/>
           </a:xfrm>
           <a:prstGeom prst="rect">
             <a:avLst/>
@@ -1478,7 +1489,7 @@
       </p:sp>
       <p:sp>
         <p:nvSpPr>
-          <p:cNvPr id="60" name="PlaceHolder 3"/>
+          <p:cNvPr id="57" name="PlaceHolder 3"/>
           <p:cNvSpPr>
             <a:spLocks noGrp="1"/>
           </p:cNvSpPr>
@@ -1488,8 +1499,8 @@
         </p:nvSpPr>
         <p:spPr>
           <a:xfrm>
-            <a:off x="4677840" y="1152360"/>
-            <a:ext cx="4157640" cy="1629360"/>
+            <a:off x="4674240" y="1203480"/>
+            <a:ext cx="4015800" cy="1422720"/>
           </a:xfrm>
           <a:prstGeom prst="rect">
             <a:avLst/>
@@ -1504,7 +1515,7 @@
       </p:sp>
       <p:sp>
         <p:nvSpPr>
-          <p:cNvPr id="61" name="PlaceHolder 4"/>
+          <p:cNvPr id="58" name="PlaceHolder 4"/>
           <p:cNvSpPr>
             <a:spLocks noGrp="1"/>
           </p:cNvSpPr>
@@ -1514,8 +1525,8 @@
         </p:nvSpPr>
         <p:spPr>
           <a:xfrm>
-            <a:off x="311760" y="2936880"/>
-            <a:ext cx="8520120" cy="1629360"/>
+            <a:off x="457200" y="2761920"/>
+            <a:ext cx="8229240" cy="1422720"/>
           </a:xfrm>
           <a:prstGeom prst="rect">
             <a:avLst/>
@@ -1552,7 +1563,7 @@
       </p:grpSpPr>
       <p:sp>
         <p:nvSpPr>
-          <p:cNvPr id="62" name="PlaceHolder 1"/>
+          <p:cNvPr id="59" name="PlaceHolder 1"/>
           <p:cNvSpPr>
             <a:spLocks noGrp="1"/>
           </p:cNvSpPr>
@@ -1562,8 +1573,8 @@
         </p:nvSpPr>
         <p:spPr>
           <a:xfrm>
-            <a:off x="311760" y="444960"/>
-            <a:ext cx="8520120" cy="572400"/>
+            <a:off x="457200" y="205200"/>
+            <a:ext cx="8229240" cy="858600"/>
           </a:xfrm>
           <a:prstGeom prst="rect">
             <a:avLst/>
@@ -1572,13 +1583,14 @@
         <p:txBody>
           <a:bodyPr lIns="0" rIns="0" tIns="0" bIns="0" anchor="ctr"/>
           <a:p>
-            <a:endParaRPr/>
-          </a:p>
-        </p:txBody>
-      </p:sp>
-      <p:sp>
-        <p:nvSpPr>
-          <p:cNvPr id="63" name="PlaceHolder 2"/>
+            <a:pPr algn="ctr"/>
+            <a:endParaRPr/>
+          </a:p>
+        </p:txBody>
+      </p:sp>
+      <p:sp>
+        <p:nvSpPr>
+          <p:cNvPr id="60" name="PlaceHolder 2"/>
           <p:cNvSpPr>
             <a:spLocks noGrp="1"/>
           </p:cNvSpPr>
@@ -1588,8 +1600,8 @@
         </p:nvSpPr>
         <p:spPr>
           <a:xfrm>
-            <a:off x="311760" y="1152360"/>
-            <a:ext cx="8520120" cy="1629360"/>
+            <a:off x="457200" y="1203480"/>
+            <a:ext cx="8229240" cy="1422720"/>
           </a:xfrm>
           <a:prstGeom prst="rect">
             <a:avLst/>
@@ -1604,7 +1616,7 @@
       </p:sp>
       <p:sp>
         <p:nvSpPr>
-          <p:cNvPr id="64" name="PlaceHolder 3"/>
+          <p:cNvPr id="61" name="PlaceHolder 3"/>
           <p:cNvSpPr>
             <a:spLocks noGrp="1"/>
           </p:cNvSpPr>
@@ -1614,8 +1626,8 @@
         </p:nvSpPr>
         <p:spPr>
           <a:xfrm>
-            <a:off x="311760" y="2936880"/>
-            <a:ext cx="8520120" cy="1629360"/>
+            <a:off x="457200" y="2761920"/>
+            <a:ext cx="8229240" cy="1422720"/>
           </a:xfrm>
           <a:prstGeom prst="rect">
             <a:avLst/>
@@ -1652,7 +1664,7 @@
       </p:grpSpPr>
       <p:sp>
         <p:nvSpPr>
-          <p:cNvPr id="65" name="PlaceHolder 1"/>
+          <p:cNvPr id="62" name="PlaceHolder 1"/>
           <p:cNvSpPr>
             <a:spLocks noGrp="1"/>
           </p:cNvSpPr>
@@ -1662,8 +1674,8 @@
         </p:nvSpPr>
         <p:spPr>
           <a:xfrm>
-            <a:off x="311760" y="444960"/>
-            <a:ext cx="8520120" cy="572400"/>
+            <a:off x="457200" y="205200"/>
+            <a:ext cx="8229240" cy="858600"/>
           </a:xfrm>
           <a:prstGeom prst="rect">
             <a:avLst/>
@@ -1672,13 +1684,14 @@
         <p:txBody>
           <a:bodyPr lIns="0" rIns="0" tIns="0" bIns="0" anchor="ctr"/>
           <a:p>
-            <a:endParaRPr/>
-          </a:p>
-        </p:txBody>
-      </p:sp>
-      <p:sp>
-        <p:nvSpPr>
-          <p:cNvPr id="66" name="PlaceHolder 2"/>
+            <a:pPr algn="ctr"/>
+            <a:endParaRPr/>
+          </a:p>
+        </p:txBody>
+      </p:sp>
+      <p:sp>
+        <p:nvSpPr>
+          <p:cNvPr id="63" name="PlaceHolder 2"/>
           <p:cNvSpPr>
             <a:spLocks noGrp="1"/>
           </p:cNvSpPr>
@@ -1688,8 +1701,8 @@
         </p:nvSpPr>
         <p:spPr>
           <a:xfrm>
-            <a:off x="311760" y="1152360"/>
-            <a:ext cx="4157640" cy="1629360"/>
+            <a:off x="457200" y="1203480"/>
+            <a:ext cx="4015800" cy="1422720"/>
           </a:xfrm>
           <a:prstGeom prst="rect">
             <a:avLst/>
@@ -1704,7 +1717,7 @@
       </p:sp>
       <p:sp>
         <p:nvSpPr>
-          <p:cNvPr id="67" name="PlaceHolder 3"/>
+          <p:cNvPr id="64" name="PlaceHolder 3"/>
           <p:cNvSpPr>
             <a:spLocks noGrp="1"/>
           </p:cNvSpPr>
@@ -1714,8 +1727,8 @@
         </p:nvSpPr>
         <p:spPr>
           <a:xfrm>
-            <a:off x="4677840" y="1152360"/>
-            <a:ext cx="4157640" cy="1629360"/>
+            <a:off x="4674240" y="1203480"/>
+            <a:ext cx="4015800" cy="1422720"/>
           </a:xfrm>
           <a:prstGeom prst="rect">
             <a:avLst/>
@@ -1730,7 +1743,7 @@
       </p:sp>
       <p:sp>
         <p:nvSpPr>
-          <p:cNvPr id="68" name="PlaceHolder 4"/>
+          <p:cNvPr id="65" name="PlaceHolder 4"/>
           <p:cNvSpPr>
             <a:spLocks noGrp="1"/>
           </p:cNvSpPr>
@@ -1740,8 +1753,8 @@
         </p:nvSpPr>
         <p:spPr>
           <a:xfrm>
-            <a:off x="4677840" y="2936880"/>
-            <a:ext cx="4157640" cy="1629360"/>
+            <a:off x="4674240" y="2761920"/>
+            <a:ext cx="4015800" cy="1422720"/>
           </a:xfrm>
           <a:prstGeom prst="rect">
             <a:avLst/>
@@ -1756,7 +1769,7 @@
       </p:sp>
       <p:sp>
         <p:nvSpPr>
-          <p:cNvPr id="69" name="PlaceHolder 5"/>
+          <p:cNvPr id="66" name="PlaceHolder 5"/>
           <p:cNvSpPr>
             <a:spLocks noGrp="1"/>
           </p:cNvSpPr>
@@ -1766,8 +1779,8 @@
         </p:nvSpPr>
         <p:spPr>
           <a:xfrm>
-            <a:off x="311760" y="2936880"/>
-            <a:ext cx="4157640" cy="1629360"/>
+            <a:off x="457200" y="2761920"/>
+            <a:ext cx="4015800" cy="1422720"/>
           </a:xfrm>
           <a:prstGeom prst="rect">
             <a:avLst/>
@@ -1804,7 +1817,7 @@
       </p:grpSpPr>
       <p:sp>
         <p:nvSpPr>
-          <p:cNvPr id="70" name="PlaceHolder 1"/>
+          <p:cNvPr id="67" name="PlaceHolder 1"/>
           <p:cNvSpPr>
             <a:spLocks noGrp="1"/>
           </p:cNvSpPr>
@@ -1814,8 +1827,8 @@
         </p:nvSpPr>
         <p:spPr>
           <a:xfrm>
-            <a:off x="311760" y="444960"/>
-            <a:ext cx="8520120" cy="572400"/>
+            <a:off x="457200" y="205200"/>
+            <a:ext cx="8229240" cy="858600"/>
           </a:xfrm>
           <a:prstGeom prst="rect">
             <a:avLst/>
@@ -1824,13 +1837,14 @@
         <p:txBody>
           <a:bodyPr lIns="0" rIns="0" tIns="0" bIns="0" anchor="ctr"/>
           <a:p>
-            <a:endParaRPr/>
-          </a:p>
-        </p:txBody>
-      </p:sp>
-      <p:sp>
-        <p:nvSpPr>
-          <p:cNvPr id="71" name="PlaceHolder 2"/>
+            <a:pPr algn="ctr"/>
+            <a:endParaRPr/>
+          </a:p>
+        </p:txBody>
+      </p:sp>
+      <p:sp>
+        <p:nvSpPr>
+          <p:cNvPr id="68" name="PlaceHolder 2"/>
           <p:cNvSpPr>
             <a:spLocks noGrp="1"/>
           </p:cNvSpPr>
@@ -1840,8 +1854,8 @@
         </p:nvSpPr>
         <p:spPr>
           <a:xfrm>
-            <a:off x="311760" y="1152360"/>
-            <a:ext cx="8520120" cy="3416040"/>
+            <a:off x="457200" y="1203480"/>
+            <a:ext cx="8229240" cy="2982960"/>
           </a:xfrm>
           <a:prstGeom prst="rect">
             <a:avLst/>
@@ -1856,7 +1870,7 @@
       </p:sp>
       <p:sp>
         <p:nvSpPr>
-          <p:cNvPr id="72" name="PlaceHolder 3"/>
+          <p:cNvPr id="69" name="PlaceHolder 3"/>
           <p:cNvSpPr>
             <a:spLocks noGrp="1"/>
           </p:cNvSpPr>
@@ -1866,8 +1880,8 @@
         </p:nvSpPr>
         <p:spPr>
           <a:xfrm>
-            <a:off x="311760" y="1152360"/>
-            <a:ext cx="8520120" cy="3416040"/>
+            <a:off x="457200" y="1203480"/>
+            <a:ext cx="8229240" cy="2982960"/>
           </a:xfrm>
           <a:prstGeom prst="rect">
             <a:avLst/>
@@ -1882,7 +1896,7 @@
       </p:sp>
       <p:pic>
         <p:nvPicPr>
-          <p:cNvPr id="73" name="" descr=""/>
+          <p:cNvPr id="70" name="" descr=""/>
           <p:cNvPicPr/>
           <p:nvPr/>
         </p:nvPicPr>
@@ -1892,8 +1906,8 @@
         </p:blipFill>
         <p:spPr>
           <a:xfrm>
-            <a:off x="2430720" y="1152000"/>
-            <a:ext cx="4281840" cy="3416040"/>
+            <a:off x="2702160" y="1203480"/>
+            <a:ext cx="3738960" cy="2982960"/>
           </a:xfrm>
           <a:prstGeom prst="rect">
             <a:avLst/>
@@ -1905,7 +1919,7 @@
       </p:pic>
       <p:pic>
         <p:nvPicPr>
-          <p:cNvPr id="74" name="" descr=""/>
+          <p:cNvPr id="71" name="" descr=""/>
           <p:cNvPicPr/>
           <p:nvPr/>
         </p:nvPicPr>
@@ -1915,8 +1929,8 @@
         </p:blipFill>
         <p:spPr>
           <a:xfrm>
-            <a:off x="2430720" y="1152000"/>
-            <a:ext cx="4281840" cy="3416040"/>
+            <a:off x="2702160" y="1203480"/>
+            <a:ext cx="3738960" cy="2982960"/>
           </a:xfrm>
           <a:prstGeom prst="rect">
             <a:avLst/>
@@ -1950,7 +1964,7 @@
       </p:grpSpPr>
       <p:sp>
         <p:nvSpPr>
-          <p:cNvPr id="6" name="PlaceHolder 1"/>
+          <p:cNvPr id="4" name="PlaceHolder 1"/>
           <p:cNvSpPr>
             <a:spLocks noGrp="1"/>
           </p:cNvSpPr>
@@ -1960,8 +1974,8 @@
         </p:nvSpPr>
         <p:spPr>
           <a:xfrm>
-            <a:off x="311760" y="444960"/>
-            <a:ext cx="8520120" cy="572400"/>
+            <a:off x="457200" y="205200"/>
+            <a:ext cx="8229240" cy="858600"/>
           </a:xfrm>
           <a:prstGeom prst="rect">
             <a:avLst/>
@@ -1970,13 +1984,14 @@
         <p:txBody>
           <a:bodyPr lIns="0" rIns="0" tIns="0" bIns="0" anchor="ctr"/>
           <a:p>
-            <a:endParaRPr/>
-          </a:p>
-        </p:txBody>
-      </p:sp>
-      <p:sp>
-        <p:nvSpPr>
-          <p:cNvPr id="7" name="PlaceHolder 2"/>
+            <a:pPr algn="ctr"/>
+            <a:endParaRPr/>
+          </a:p>
+        </p:txBody>
+      </p:sp>
+      <p:sp>
+        <p:nvSpPr>
+          <p:cNvPr id="5" name="PlaceHolder 2"/>
           <p:cNvSpPr>
             <a:spLocks noGrp="1"/>
           </p:cNvSpPr>
@@ -1986,8 +2001,8 @@
         </p:nvSpPr>
         <p:spPr>
           <a:xfrm>
-            <a:off x="311760" y="1152360"/>
-            <a:ext cx="8520120" cy="3416040"/>
+            <a:off x="457200" y="1203480"/>
+            <a:ext cx="8229240" cy="2982960"/>
           </a:xfrm>
           <a:prstGeom prst="rect">
             <a:avLst/>
@@ -2024,7 +2039,7 @@
       </p:grpSpPr>
       <p:sp>
         <p:nvSpPr>
-          <p:cNvPr id="8" name="PlaceHolder 1"/>
+          <p:cNvPr id="6" name="PlaceHolder 1"/>
           <p:cNvSpPr>
             <a:spLocks noGrp="1"/>
           </p:cNvSpPr>
@@ -2034,8 +2049,8 @@
         </p:nvSpPr>
         <p:spPr>
           <a:xfrm>
-            <a:off x="311760" y="444960"/>
-            <a:ext cx="8520120" cy="572400"/>
+            <a:off x="457200" y="205200"/>
+            <a:ext cx="8229240" cy="858600"/>
           </a:xfrm>
           <a:prstGeom prst="rect">
             <a:avLst/>
@@ -2044,13 +2059,14 @@
         <p:txBody>
           <a:bodyPr lIns="0" rIns="0" tIns="0" bIns="0" anchor="ctr"/>
           <a:p>
-            <a:endParaRPr/>
-          </a:p>
-        </p:txBody>
-      </p:sp>
-      <p:sp>
-        <p:nvSpPr>
-          <p:cNvPr id="9" name="PlaceHolder 2"/>
+            <a:pPr algn="ctr"/>
+            <a:endParaRPr/>
+          </a:p>
+        </p:txBody>
+      </p:sp>
+      <p:sp>
+        <p:nvSpPr>
+          <p:cNvPr id="7" name="PlaceHolder 2"/>
           <p:cNvSpPr>
             <a:spLocks noGrp="1"/>
           </p:cNvSpPr>
@@ -2060,8 +2076,8 @@
         </p:nvSpPr>
         <p:spPr>
           <a:xfrm>
-            <a:off x="311760" y="1152360"/>
-            <a:ext cx="4157640" cy="3416040"/>
+            <a:off x="457200" y="1203480"/>
+            <a:ext cx="4015800" cy="2982960"/>
           </a:xfrm>
           <a:prstGeom prst="rect">
             <a:avLst/>
@@ -2076,7 +2092,7 @@
       </p:sp>
       <p:sp>
         <p:nvSpPr>
-          <p:cNvPr id="10" name="PlaceHolder 3"/>
+          <p:cNvPr id="8" name="PlaceHolder 3"/>
           <p:cNvSpPr>
             <a:spLocks noGrp="1"/>
           </p:cNvSpPr>
@@ -2086,8 +2102,8 @@
         </p:nvSpPr>
         <p:spPr>
           <a:xfrm>
-            <a:off x="4677840" y="1152360"/>
-            <a:ext cx="4157640" cy="3416040"/>
+            <a:off x="4674240" y="1203480"/>
+            <a:ext cx="4015800" cy="2982960"/>
           </a:xfrm>
           <a:prstGeom prst="rect">
             <a:avLst/>
@@ -2124,7 +2140,7 @@
       </p:grpSpPr>
       <p:sp>
         <p:nvSpPr>
-          <p:cNvPr id="11" name="PlaceHolder 1"/>
+          <p:cNvPr id="9" name="PlaceHolder 1"/>
           <p:cNvSpPr>
             <a:spLocks noGrp="1"/>
           </p:cNvSpPr>
@@ -2134,8 +2150,8 @@
         </p:nvSpPr>
         <p:spPr>
           <a:xfrm>
-            <a:off x="311760" y="444960"/>
-            <a:ext cx="8520120" cy="572400"/>
+            <a:off x="457200" y="205200"/>
+            <a:ext cx="8229240" cy="858600"/>
           </a:xfrm>
           <a:prstGeom prst="rect">
             <a:avLst/>
@@ -2144,6 +2160,7 @@
         <p:txBody>
           <a:bodyPr lIns="0" rIns="0" tIns="0" bIns="0" anchor="ctr"/>
           <a:p>
+            <a:pPr algn="ctr"/>
             <a:endParaRPr/>
           </a:p>
         </p:txBody>
@@ -2172,7 +2189,7 @@
       </p:grpSpPr>
       <p:sp>
         <p:nvSpPr>
-          <p:cNvPr id="12" name="PlaceHolder 1"/>
+          <p:cNvPr id="10" name="PlaceHolder 1"/>
           <p:cNvSpPr>
             <a:spLocks noGrp="1"/>
           </p:cNvSpPr>
@@ -2182,8 +2199,8 @@
         </p:nvSpPr>
         <p:spPr>
           <a:xfrm>
-            <a:off x="311760" y="444960"/>
-            <a:ext cx="8520120" cy="2654640"/>
+            <a:off x="457200" y="205200"/>
+            <a:ext cx="8229240" cy="3981240"/>
           </a:xfrm>
           <a:prstGeom prst="rect">
             <a:avLst/>
@@ -2221,7 +2238,7 @@
       </p:grpSpPr>
       <p:sp>
         <p:nvSpPr>
-          <p:cNvPr id="13" name="PlaceHolder 1"/>
+          <p:cNvPr id="11" name="PlaceHolder 1"/>
           <p:cNvSpPr>
             <a:spLocks noGrp="1"/>
           </p:cNvSpPr>
@@ -2231,8 +2248,8 @@
         </p:nvSpPr>
         <p:spPr>
           <a:xfrm>
-            <a:off x="311760" y="444960"/>
-            <a:ext cx="8520120" cy="572400"/>
+            <a:off x="457200" y="205200"/>
+            <a:ext cx="8229240" cy="858600"/>
           </a:xfrm>
           <a:prstGeom prst="rect">
             <a:avLst/>
@@ -2241,13 +2258,14 @@
         <p:txBody>
           <a:bodyPr lIns="0" rIns="0" tIns="0" bIns="0" anchor="ctr"/>
           <a:p>
-            <a:endParaRPr/>
-          </a:p>
-        </p:txBody>
-      </p:sp>
-      <p:sp>
-        <p:nvSpPr>
-          <p:cNvPr id="14" name="PlaceHolder 2"/>
+            <a:pPr algn="ctr"/>
+            <a:endParaRPr/>
+          </a:p>
+        </p:txBody>
+      </p:sp>
+      <p:sp>
+        <p:nvSpPr>
+          <p:cNvPr id="12" name="PlaceHolder 2"/>
           <p:cNvSpPr>
             <a:spLocks noGrp="1"/>
           </p:cNvSpPr>
@@ -2257,8 +2275,8 @@
         </p:nvSpPr>
         <p:spPr>
           <a:xfrm>
-            <a:off x="311760" y="1152360"/>
-            <a:ext cx="4157640" cy="1629360"/>
+            <a:off x="457200" y="1203480"/>
+            <a:ext cx="4015800" cy="1422720"/>
           </a:xfrm>
           <a:prstGeom prst="rect">
             <a:avLst/>
@@ -2273,7 +2291,7 @@
       </p:sp>
       <p:sp>
         <p:nvSpPr>
-          <p:cNvPr id="15" name="PlaceHolder 3"/>
+          <p:cNvPr id="13" name="PlaceHolder 3"/>
           <p:cNvSpPr>
             <a:spLocks noGrp="1"/>
           </p:cNvSpPr>
@@ -2283,8 +2301,8 @@
         </p:nvSpPr>
         <p:spPr>
           <a:xfrm>
-            <a:off x="311760" y="2936880"/>
-            <a:ext cx="4157640" cy="1629360"/>
+            <a:off x="457200" y="2761920"/>
+            <a:ext cx="4015800" cy="1422720"/>
           </a:xfrm>
           <a:prstGeom prst="rect">
             <a:avLst/>
@@ -2299,7 +2317,7 @@
       </p:sp>
       <p:sp>
         <p:nvSpPr>
-          <p:cNvPr id="16" name="PlaceHolder 4"/>
+          <p:cNvPr id="14" name="PlaceHolder 4"/>
           <p:cNvSpPr>
             <a:spLocks noGrp="1"/>
           </p:cNvSpPr>
@@ -2309,8 +2327,8 @@
         </p:nvSpPr>
         <p:spPr>
           <a:xfrm>
-            <a:off x="4677840" y="1152360"/>
-            <a:ext cx="4157640" cy="3416040"/>
+            <a:off x="4674240" y="1203480"/>
+            <a:ext cx="4015800" cy="2982960"/>
           </a:xfrm>
           <a:prstGeom prst="rect">
             <a:avLst/>
@@ -2347,7 +2365,7 @@
       </p:grpSpPr>
       <p:sp>
         <p:nvSpPr>
-          <p:cNvPr id="17" name="PlaceHolder 1"/>
+          <p:cNvPr id="15" name="PlaceHolder 1"/>
           <p:cNvSpPr>
             <a:spLocks noGrp="1"/>
           </p:cNvSpPr>
@@ -2357,8 +2375,8 @@
         </p:nvSpPr>
         <p:spPr>
           <a:xfrm>
-            <a:off x="311760" y="444960"/>
-            <a:ext cx="8520120" cy="572400"/>
+            <a:off x="457200" y="205200"/>
+            <a:ext cx="8229240" cy="858600"/>
           </a:xfrm>
           <a:prstGeom prst="rect">
             <a:avLst/>
@@ -2367,13 +2385,14 @@
         <p:txBody>
           <a:bodyPr lIns="0" rIns="0" tIns="0" bIns="0" anchor="ctr"/>
           <a:p>
-            <a:endParaRPr/>
-          </a:p>
-        </p:txBody>
-      </p:sp>
-      <p:sp>
-        <p:nvSpPr>
-          <p:cNvPr id="18" name="PlaceHolder 2"/>
+            <a:pPr algn="ctr"/>
+            <a:endParaRPr/>
+          </a:p>
+        </p:txBody>
+      </p:sp>
+      <p:sp>
+        <p:nvSpPr>
+          <p:cNvPr id="16" name="PlaceHolder 2"/>
           <p:cNvSpPr>
             <a:spLocks noGrp="1"/>
           </p:cNvSpPr>
@@ -2383,8 +2402,8 @@
         </p:nvSpPr>
         <p:spPr>
           <a:xfrm>
-            <a:off x="311760" y="1152360"/>
-            <a:ext cx="4157640" cy="3416040"/>
+            <a:off x="457200" y="1203480"/>
+            <a:ext cx="4015800" cy="2982960"/>
           </a:xfrm>
           <a:prstGeom prst="rect">
             <a:avLst/>
@@ -2399,7 +2418,7 @@
       </p:sp>
       <p:sp>
         <p:nvSpPr>
-          <p:cNvPr id="19" name="PlaceHolder 3"/>
+          <p:cNvPr id="17" name="PlaceHolder 3"/>
           <p:cNvSpPr>
             <a:spLocks noGrp="1"/>
           </p:cNvSpPr>
@@ -2409,8 +2428,8 @@
         </p:nvSpPr>
         <p:spPr>
           <a:xfrm>
-            <a:off x="4677840" y="1152360"/>
-            <a:ext cx="4157640" cy="1629360"/>
+            <a:off x="4674240" y="1203480"/>
+            <a:ext cx="4015800" cy="1422720"/>
           </a:xfrm>
           <a:prstGeom prst="rect">
             <a:avLst/>
@@ -2425,7 +2444,7 @@
       </p:sp>
       <p:sp>
         <p:nvSpPr>
-          <p:cNvPr id="20" name="PlaceHolder 4"/>
+          <p:cNvPr id="18" name="PlaceHolder 4"/>
           <p:cNvSpPr>
             <a:spLocks noGrp="1"/>
           </p:cNvSpPr>
@@ -2435,8 +2454,8 @@
         </p:nvSpPr>
         <p:spPr>
           <a:xfrm>
-            <a:off x="4677840" y="2936880"/>
-            <a:ext cx="4157640" cy="1629360"/>
+            <a:off x="4674240" y="2761920"/>
+            <a:ext cx="4015800" cy="1422720"/>
           </a:xfrm>
           <a:prstGeom prst="rect">
             <a:avLst/>
@@ -2473,7 +2492,7 @@
       </p:grpSpPr>
       <p:sp>
         <p:nvSpPr>
-          <p:cNvPr id="21" name="PlaceHolder 1"/>
+          <p:cNvPr id="19" name="PlaceHolder 1"/>
           <p:cNvSpPr>
             <a:spLocks noGrp="1"/>
           </p:cNvSpPr>
@@ -2483,8 +2502,8 @@
         </p:nvSpPr>
         <p:spPr>
           <a:xfrm>
-            <a:off x="311760" y="444960"/>
-            <a:ext cx="8520120" cy="572400"/>
+            <a:off x="457200" y="205200"/>
+            <a:ext cx="8229240" cy="858600"/>
           </a:xfrm>
           <a:prstGeom prst="rect">
             <a:avLst/>
@@ -2493,13 +2512,14 @@
         <p:txBody>
           <a:bodyPr lIns="0" rIns="0" tIns="0" bIns="0" anchor="ctr"/>
           <a:p>
-            <a:endParaRPr/>
-          </a:p>
-        </p:txBody>
-      </p:sp>
-      <p:sp>
-        <p:nvSpPr>
-          <p:cNvPr id="22" name="PlaceHolder 2"/>
+            <a:pPr algn="ctr"/>
+            <a:endParaRPr/>
+          </a:p>
+        </p:txBody>
+      </p:sp>
+      <p:sp>
+        <p:nvSpPr>
+          <p:cNvPr id="20" name="PlaceHolder 2"/>
           <p:cNvSpPr>
             <a:spLocks noGrp="1"/>
           </p:cNvSpPr>
@@ -2509,8 +2529,8 @@
         </p:nvSpPr>
         <p:spPr>
           <a:xfrm>
-            <a:off x="311760" y="1152360"/>
-            <a:ext cx="4157640" cy="1629360"/>
+            <a:off x="457200" y="1203480"/>
+            <a:ext cx="4015800" cy="1422720"/>
           </a:xfrm>
           <a:prstGeom prst="rect">
             <a:avLst/>
@@ -2525,7 +2545,7 @@
       </p:sp>
       <p:sp>
         <p:nvSpPr>
-          <p:cNvPr id="23" name="PlaceHolder 3"/>
+          <p:cNvPr id="21" name="PlaceHolder 3"/>
           <p:cNvSpPr>
             <a:spLocks noGrp="1"/>
           </p:cNvSpPr>
@@ -2535,8 +2555,8 @@
         </p:nvSpPr>
         <p:spPr>
           <a:xfrm>
-            <a:off x="4677840" y="1152360"/>
-            <a:ext cx="4157640" cy="1629360"/>
+            <a:off x="4674240" y="1203480"/>
+            <a:ext cx="4015800" cy="1422720"/>
           </a:xfrm>
           <a:prstGeom prst="rect">
             <a:avLst/>
@@ -2551,7 +2571,7 @@
       </p:sp>
       <p:sp>
         <p:nvSpPr>
-          <p:cNvPr id="24" name="PlaceHolder 4"/>
+          <p:cNvPr id="22" name="PlaceHolder 4"/>
           <p:cNvSpPr>
             <a:spLocks noGrp="1"/>
           </p:cNvSpPr>
@@ -2561,8 +2581,8 @@
         </p:nvSpPr>
         <p:spPr>
           <a:xfrm>
-            <a:off x="311760" y="2936880"/>
-            <a:ext cx="8520120" cy="1629360"/>
+            <a:off x="457200" y="2761920"/>
+            <a:ext cx="8229240" cy="1422720"/>
           </a:xfrm>
           <a:prstGeom prst="rect">
             <a:avLst/>
@@ -2616,16 +2636,17 @@
         </p:nvSpPr>
         <p:spPr>
           <a:xfrm>
-            <a:off x="311760" y="744480"/>
-            <a:ext cx="8520120" cy="2052360"/>
-          </a:xfrm>
-          <a:prstGeom prst="rect">
-            <a:avLst/>
-          </a:prstGeom>
-        </p:spPr>
-        <p:txBody>
-          <a:bodyPr tIns="91440" bIns="91440" anchor="b"/>
-          <a:p>
+            <a:off x="311760" y="417600"/>
+            <a:ext cx="8519400" cy="626400"/>
+          </a:xfrm>
+          <a:prstGeom prst="rect">
+            <a:avLst/>
+          </a:prstGeom>
+        </p:spPr>
+        <p:txBody>
+          <a:bodyPr lIns="0" rIns="0" tIns="0" bIns="0" anchor="ctr"/>
+          <a:p>
+            <a:pPr algn="ctr"/>
             <a:endParaRPr/>
           </a:p>
         </p:txBody>
@@ -2637,86 +2658,13 @@
             <a:spLocks noGrp="1"/>
           </p:cNvSpPr>
           <p:nvPr>
-            <p:ph type="subTitle"/>
-          </p:nvPr>
-        </p:nvSpPr>
-        <p:spPr>
-          <a:xfrm>
-            <a:off x="311760" y="2834280"/>
-            <a:ext cx="8520120" cy="792360"/>
-          </a:xfrm>
-          <a:prstGeom prst="rect">
-            <a:avLst/>
-          </a:prstGeom>
-        </p:spPr>
-        <p:txBody>
-          <a:bodyPr tIns="91440" bIns="91440"/>
-          <a:p>
-            <a:pPr algn="ctr"/>
-            <a:endParaRPr/>
-          </a:p>
-        </p:txBody>
-      </p:sp>
-      <p:sp>
-        <p:nvSpPr>
-          <p:cNvPr id="2" name="PlaceHolder 3"/>
-          <p:cNvSpPr>
-            <a:spLocks noGrp="1"/>
-          </p:cNvSpPr>
-          <p:nvPr>
-            <p:ph type="sldNum"/>
-          </p:nvPr>
-        </p:nvSpPr>
-        <p:spPr>
-          <a:xfrm>
-            <a:off x="8472600" y="4663080"/>
-            <a:ext cx="548280" cy="393120"/>
-          </a:xfrm>
-          <a:prstGeom prst="rect">
-            <a:avLst/>
-          </a:prstGeom>
-        </p:spPr>
-        <p:txBody>
-          <a:bodyPr tIns="91440" bIns="91440" anchor="ctr"/>
-          <a:p>
-            <a:pPr>
-              <a:lnSpc>
-                <a:spcPct val="100000"/>
-              </a:lnSpc>
-            </a:pPr>
-            <a:fld id="{F4200870-C7C6-444B-8D7A-F11E90222DAE}" type="slidenum">
-              <a:rPr lang="en-GB" sz="1400" spc="-1" strike="noStrike">
-                <a:solidFill>
-                  <a:srgbClr val="000000"/>
-                </a:solidFill>
-                <a:uFill>
-                  <a:solidFill>
-                    <a:srgbClr val="ffffff"/>
-                  </a:solidFill>
-                </a:uFill>
-                <a:latin typeface="Arial"/>
-                <a:ea typeface="Arial"/>
-              </a:rPr>
-              <a:t>&lt;number&gt;</a:t>
-            </a:fld>
-            <a:endParaRPr/>
-          </a:p>
-        </p:txBody>
-      </p:sp>
-      <p:sp>
-        <p:nvSpPr>
-          <p:cNvPr id="3" name="PlaceHolder 4"/>
-          <p:cNvSpPr>
-            <a:spLocks noGrp="1"/>
-          </p:cNvSpPr>
-          <p:nvPr>
             <p:ph type="body"/>
           </p:nvPr>
         </p:nvSpPr>
         <p:spPr>
           <a:xfrm>
-            <a:off x="457200" y="1203480"/>
-            <a:ext cx="8229240" cy="2982960"/>
+            <a:off x="311760" y="1152360"/>
+            <a:ext cx="8519400" cy="3415320"/>
           </a:xfrm>
           <a:prstGeom prst="rect">
             <a:avLst/>
@@ -2734,7 +2682,7 @@
               <a:buChar char=""/>
             </a:pPr>
             <a:r>
-              <a:rPr lang="en-GB" sz="1400" spc="-1">
+              <a:rPr lang="en-GB" sz="1800" spc="-1">
                 <a:latin typeface="Arial"/>
               </a:rPr>
               <a:t>Click to edit the outline text format</a:t>
@@ -2751,7 +2699,7 @@
               <a:buChar char=""/>
             </a:pPr>
             <a:r>
-              <a:rPr lang="en-GB" sz="1400" spc="-1">
+              <a:rPr lang="en-GB" sz="1800" spc="-1">
                 <a:latin typeface="Arial"/>
               </a:rPr>
               <a:t>Second Outline Level</a:t>
@@ -2768,7 +2716,7 @@
               <a:buChar char=""/>
             </a:pPr>
             <a:r>
-              <a:rPr lang="en-GB" sz="1400" spc="-1">
+              <a:rPr lang="en-GB" sz="1800" spc="-1">
                 <a:latin typeface="Arial"/>
               </a:rPr>
               <a:t>Third Outline Level</a:t>
@@ -2785,7 +2733,7 @@
               <a:buChar char=""/>
             </a:pPr>
             <a:r>
-              <a:rPr lang="en-GB" sz="1400" spc="-1">
+              <a:rPr lang="en-GB" sz="1800" spc="-1">
                 <a:latin typeface="Arial"/>
               </a:rPr>
               <a:t>Fourth Outline Level</a:t>
@@ -2802,7 +2750,7 @@
               <a:buChar char=""/>
             </a:pPr>
             <a:r>
-              <a:rPr lang="en-GB" sz="2000" spc="-1">
+              <a:rPr lang="en-GB" sz="1800" spc="-1">
                 <a:latin typeface="Arial"/>
               </a:rPr>
               <a:t>Fifth Outline Level</a:t>
@@ -2819,7 +2767,7 @@
               <a:buChar char=""/>
             </a:pPr>
             <a:r>
-              <a:rPr lang="en-GB" sz="2000" spc="-1">
+              <a:rPr lang="en-GB" sz="1800" spc="-1">
                 <a:latin typeface="Arial"/>
               </a:rPr>
               <a:t>Sixth Outline Level</a:t>
@@ -2836,7 +2784,7 @@
               <a:buChar char=""/>
             </a:pPr>
             <a:r>
-              <a:rPr lang="en-GB" sz="2000" spc="-1">
+              <a:rPr lang="en-GB" sz="1800" spc="-1">
                 <a:latin typeface="Arial"/>
               </a:rPr>
               <a:t>Seventh Outline Level</a:t>
@@ -2891,7 +2839,7 @@
       </p:grpSpPr>
       <p:sp>
         <p:nvSpPr>
-          <p:cNvPr id="38" name="PlaceHolder 1"/>
+          <p:cNvPr id="36" name="PlaceHolder 1"/>
           <p:cNvSpPr>
             <a:spLocks noGrp="1"/>
           </p:cNvSpPr>
@@ -2901,23 +2849,30 @@
         </p:nvSpPr>
         <p:spPr>
           <a:xfrm>
-            <a:off x="311760" y="444960"/>
-            <a:ext cx="8520120" cy="572400"/>
-          </a:xfrm>
-          <a:prstGeom prst="rect">
-            <a:avLst/>
-          </a:prstGeom>
-        </p:spPr>
-        <p:txBody>
-          <a:bodyPr tIns="91440" bIns="91440"/>
-          <a:p>
-            <a:endParaRPr/>
-          </a:p>
-        </p:txBody>
-      </p:sp>
-      <p:sp>
-        <p:nvSpPr>
-          <p:cNvPr id="39" name="PlaceHolder 2"/>
+            <a:off x="457200" y="205200"/>
+            <a:ext cx="8229240" cy="858600"/>
+          </a:xfrm>
+          <a:prstGeom prst="rect">
+            <a:avLst/>
+          </a:prstGeom>
+        </p:spPr>
+        <p:txBody>
+          <a:bodyPr lIns="0" rIns="0" tIns="0" bIns="0" anchor="ctr"/>
+          <a:p>
+            <a:pPr algn="ctr"/>
+            <a:r>
+              <a:rPr lang="en-GB" sz="4400" spc="-1">
+                <a:latin typeface="Arial"/>
+              </a:rPr>
+              <a:t>Click to edit the title text format</a:t>
+            </a:r>
+            <a:endParaRPr/>
+          </a:p>
+        </p:txBody>
+      </p:sp>
+      <p:sp>
+        <p:nvSpPr>
+          <p:cNvPr id="37" name="PlaceHolder 2"/>
           <p:cNvSpPr>
             <a:spLocks noGrp="1"/>
           </p:cNvSpPr>
@@ -2927,15 +2882,15 @@
         </p:nvSpPr>
         <p:spPr>
           <a:xfrm>
-            <a:off x="311760" y="1152360"/>
-            <a:ext cx="8520120" cy="3416040"/>
-          </a:xfrm>
-          <a:prstGeom prst="rect">
-            <a:avLst/>
-          </a:prstGeom>
-        </p:spPr>
-        <p:txBody>
-          <a:bodyPr tIns="91440" bIns="91440"/>
+            <a:off x="457200" y="1203480"/>
+            <a:ext cx="8229240" cy="2982960"/>
+          </a:xfrm>
+          <a:prstGeom prst="rect">
+            <a:avLst/>
+          </a:prstGeom>
+        </p:spPr>
+        <p:txBody>
+          <a:bodyPr lIns="0" rIns="0" tIns="0" bIns="0"/>
           <a:p>
             <a:pPr marL="432000" indent="-324000">
               <a:buClr>
@@ -2946,7 +2901,7 @@
               <a:buChar char=""/>
             </a:pPr>
             <a:r>
-              <a:rPr lang="en-GB" sz="1800" spc="-1">
+              <a:rPr lang="en-GB" sz="3200" spc="-1">
                 <a:latin typeface="Arial"/>
               </a:rPr>
               <a:t>Click to edit the outline text format</a:t>
@@ -2963,7 +2918,7 @@
               <a:buChar char=""/>
             </a:pPr>
             <a:r>
-              <a:rPr lang="en-GB" sz="1800" spc="-1">
+              <a:rPr lang="en-GB" sz="2800" spc="-1">
                 <a:latin typeface="Arial"/>
               </a:rPr>
               <a:t>Second Outline Level</a:t>
@@ -2980,7 +2935,7 @@
               <a:buChar char=""/>
             </a:pPr>
             <a:r>
-              <a:rPr lang="en-GB" sz="1800" spc="-1">
+              <a:rPr lang="en-GB" sz="2400" spc="-1">
                 <a:latin typeface="Arial"/>
               </a:rPr>
               <a:t>Third Outline Level</a:t>
@@ -2997,7 +2952,7 @@
               <a:buChar char=""/>
             </a:pPr>
             <a:r>
-              <a:rPr lang="en-GB" sz="1800" spc="-1">
+              <a:rPr lang="en-GB" sz="2000" spc="-1">
                 <a:latin typeface="Arial"/>
               </a:rPr>
               <a:t>Fourth Outline Level</a:t>
@@ -3014,7 +2969,7 @@
               <a:buChar char=""/>
             </a:pPr>
             <a:r>
-              <a:rPr lang="en-GB" sz="1800" spc="-1">
+              <a:rPr lang="en-GB" sz="2000" spc="-1">
                 <a:latin typeface="Arial"/>
               </a:rPr>
               <a:t>Fifth Outline Level</a:t>
@@ -3031,7 +2986,7 @@
               <a:buChar char=""/>
             </a:pPr>
             <a:r>
-              <a:rPr lang="en-GB" sz="1800" spc="-1">
+              <a:rPr lang="en-GB" sz="2000" spc="-1">
                 <a:latin typeface="Arial"/>
               </a:rPr>
               <a:t>Sixth Outline Level</a:t>
@@ -3048,57 +3003,11 @@
               <a:buChar char=""/>
             </a:pPr>
             <a:r>
-              <a:rPr lang="en-GB" sz="1800" spc="-1">
+              <a:rPr lang="en-GB" sz="2000" spc="-1">
                 <a:latin typeface="Arial"/>
               </a:rPr>
               <a:t>Seventh Outline Level</a:t>
             </a:r>
-            <a:endParaRPr/>
-          </a:p>
-        </p:txBody>
-      </p:sp>
-      <p:sp>
-        <p:nvSpPr>
-          <p:cNvPr id="40" name="PlaceHolder 3"/>
-          <p:cNvSpPr>
-            <a:spLocks noGrp="1"/>
-          </p:cNvSpPr>
-          <p:nvPr>
-            <p:ph type="sldNum"/>
-          </p:nvPr>
-        </p:nvSpPr>
-        <p:spPr>
-          <a:xfrm>
-            <a:off x="8472600" y="4663080"/>
-            <a:ext cx="548280" cy="393120"/>
-          </a:xfrm>
-          <a:prstGeom prst="rect">
-            <a:avLst/>
-          </a:prstGeom>
-        </p:spPr>
-        <p:txBody>
-          <a:bodyPr tIns="91440" bIns="91440" anchor="ctr"/>
-          <a:p>
-            <a:pPr>
-              <a:lnSpc>
-                <a:spcPct val="100000"/>
-              </a:lnSpc>
-            </a:pPr>
-            <a:fld id="{E0DA101D-97B0-499B-B0FA-660312177AB9}" type="slidenum">
-              <a:rPr lang="en-GB" sz="1400" spc="-1" strike="noStrike">
-                <a:solidFill>
-                  <a:srgbClr val="000000"/>
-                </a:solidFill>
-                <a:uFill>
-                  <a:solidFill>
-                    <a:srgbClr val="ffffff"/>
-                  </a:solidFill>
-                </a:uFill>
-                <a:latin typeface="Arial"/>
-                <a:ea typeface="Arial"/>
-              </a:rPr>
-              <a:t>&lt;number&gt;</a:t>
-            </a:fld>
             <a:endParaRPr/>
           </a:p>
         </p:txBody>
@@ -3152,14 +3061,14 @@
       </p:grpSpPr>
       <p:sp>
         <p:nvSpPr>
-          <p:cNvPr id="80" name="CustomShape 1"/>
+          <p:cNvPr id="77" name="CustomShape 1"/>
           <p:cNvSpPr/>
           <p:nvPr/>
         </p:nvSpPr>
         <p:spPr>
           <a:xfrm>
             <a:off x="524160" y="2581560"/>
-            <a:ext cx="2882160" cy="2018520"/>
+            <a:ext cx="2881440" cy="2017800"/>
           </a:xfrm>
           <a:prstGeom prst="rect">
             <a:avLst/>
@@ -3178,14 +3087,14 @@
       </p:sp>
       <p:sp>
         <p:nvSpPr>
-          <p:cNvPr id="81" name="CustomShape 2"/>
+          <p:cNvPr id="78" name="CustomShape 2"/>
           <p:cNvSpPr/>
           <p:nvPr/>
         </p:nvSpPr>
         <p:spPr>
           <a:xfrm>
-            <a:off x="-419760" y="3813840"/>
-            <a:ext cx="4381200" cy="1261440"/>
+            <a:off x="-420480" y="2520000"/>
+            <a:ext cx="4380480" cy="1260720"/>
           </a:xfrm>
           <a:prstGeom prst="rect">
             <a:avLst/>
@@ -3202,7 +3111,7 @@
           <a:fontRef idx="minor"/>
         </p:style>
         <p:txBody>
-          <a:bodyPr tIns="91440" bIns="91440"/>
+          <a:bodyPr lIns="90000" rIns="90000" tIns="91440" bIns="91440"/>
           <a:p>
             <a:pPr algn="ctr">
               <a:lnSpc>
@@ -3222,7 +3131,7 @@
                 <a:latin typeface="Verdana"/>
                 <a:ea typeface="Verdana"/>
               </a:rPr>
-              <a:t>Your name</a:t>
+              <a:t>Christian Reitwießner</a:t>
             </a:r>
             <a:endParaRPr/>
           </a:p>
@@ -3245,7 +3154,108 @@
                 <a:latin typeface="Roboto"/>
                 <a:ea typeface="Roboto"/>
               </a:rPr>
-              <a:t>Your title</a:t>
+              <a:t>chris@ethereum.org</a:t>
+            </a:r>
+            <a:endParaRPr/>
+          </a:p>
+          <a:p>
+            <a:pPr algn="ctr">
+              <a:lnSpc>
+                <a:spcPct val="150000"/>
+              </a:lnSpc>
+            </a:pPr>
+            <a:r>
+              <a:rPr lang="en-GB" sz="1400" spc="-1" strike="noStrike">
+                <a:solidFill>
+                  <a:srgbClr val="ffffff"/>
+                </a:solidFill>
+                <a:uFill>
+                  <a:solidFill>
+                    <a:srgbClr val="ffffff"/>
+                  </a:solidFill>
+                </a:uFill>
+                <a:latin typeface="Roboto"/>
+                <a:ea typeface="Roboto"/>
+              </a:rPr>
+              <a:t>Solidity and C++ Team Lead</a:t>
+            </a:r>
+            <a:endParaRPr/>
+          </a:p>
+        </p:txBody>
+      </p:sp>
+      <p:sp>
+        <p:nvSpPr>
+          <p:cNvPr id="79" name="TextShape 3"/>
+          <p:cNvSpPr txBox="1"/>
+          <p:nvPr/>
+        </p:nvSpPr>
+        <p:spPr>
+          <a:xfrm>
+            <a:off x="524160" y="4021920"/>
+            <a:ext cx="2472840" cy="612360"/>
+          </a:xfrm>
+          <a:prstGeom prst="rect">
+            <a:avLst/>
+          </a:prstGeom>
+          <a:noFill/>
+          <a:ln>
+            <a:noFill/>
+          </a:ln>
+        </p:spPr>
+        <p:txBody>
+          <a:bodyPr lIns="90000" rIns="90000" tIns="45000" bIns="45000"/>
+          <a:p>
+            <a:pPr algn="ctr">
+              <a:lnSpc>
+                <a:spcPct val="150000"/>
+              </a:lnSpc>
+            </a:pPr>
+            <a:r>
+              <a:rPr lang="en-GB" sz="1400" spc="-1">
+                <a:solidFill>
+                  <a:srgbClr val="ffffff"/>
+                </a:solidFill>
+                <a:latin typeface="Roboto"/>
+              </a:rPr>
+              <a:t>Ethereum </a:t>
+            </a:r>
+            <a:r>
+              <a:rPr lang="en-GB" sz="1400" spc="-1">
+                <a:solidFill>
+                  <a:srgbClr val="ffffff"/>
+                </a:solidFill>
+                <a:latin typeface="Roboto"/>
+                <a:ea typeface="Roboto"/>
+              </a:rPr>
+              <a:t>Munich</a:t>
+            </a:r>
+            <a:r>
+              <a:rPr lang="en-GB" sz="1400" spc="-1">
+                <a:solidFill>
+                  <a:srgbClr val="ffffff"/>
+                </a:solidFill>
+                <a:latin typeface="Roboto"/>
+              </a:rPr>
+              <a:t> Meetup</a:t>
+            </a:r>
+            <a:r>
+              <a:rPr lang="en-GB" sz="1400" spc="-1">
+                <a:solidFill>
+                  <a:srgbClr val="ffffff"/>
+                </a:solidFill>
+                <a:latin typeface="Roboto"/>
+              </a:rPr>
+              <a:t>
+</a:t>
+            </a:r>
+            <a:r>
+              <a:rPr lang="en-GB" sz="1400" spc="-1">
+                <a:solidFill>
+                  <a:srgbClr val="ffffff"/>
+                </a:solidFill>
+                <a:latin typeface="Roboto"/>
+              </a:rPr>
+              <a:t>2016-05-09</a:t>
             </a:r>
             <a:endParaRPr/>
           </a:p>
@@ -3312,14 +3322,14 @@
       </p:grpSpPr>
       <p:sp>
         <p:nvSpPr>
-          <p:cNvPr id="82" name="CustomShape 1"/>
+          <p:cNvPr id="80" name="CustomShape 1"/>
           <p:cNvSpPr/>
           <p:nvPr/>
         </p:nvSpPr>
         <p:spPr>
           <a:xfrm>
             <a:off x="-39240" y="-68400"/>
-            <a:ext cx="9182520" cy="5222160"/>
+            <a:ext cx="9181800" cy="5221440"/>
           </a:xfrm>
           <a:prstGeom prst="rect">
             <a:avLst/>
@@ -3345,14 +3355,14 @@
       </p:sp>
       <p:sp>
         <p:nvSpPr>
-          <p:cNvPr id="83" name="TextShape 2"/>
-          <p:cNvSpPr txBox="1"/>
+          <p:cNvPr id="81" name="CustomShape 2"/>
+          <p:cNvSpPr/>
           <p:nvPr/>
         </p:nvSpPr>
         <p:spPr>
           <a:xfrm>
             <a:off x="311760" y="444960"/>
-            <a:ext cx="8520120" cy="572400"/>
+            <a:ext cx="8519400" cy="571680"/>
           </a:xfrm>
           <a:prstGeom prst="rect">
             <a:avLst/>
@@ -3362,8 +3372,14 @@
             <a:noFill/>
           </a:ln>
         </p:spPr>
-        <p:txBody>
-          <a:bodyPr tIns="91440" bIns="91440"/>
+        <p:style>
+          <a:lnRef idx="0"/>
+          <a:fillRef idx="0"/>
+          <a:effectRef idx="0"/>
+          <a:fontRef idx="minor"/>
+        </p:style>
+        <p:txBody>
+          <a:bodyPr lIns="90000" rIns="90000" tIns="91440" bIns="91440"/>
           <a:p>
             <a:pPr>
               <a:lnSpc>
@@ -3391,14 +3407,14 @@
       </p:sp>
       <p:sp>
         <p:nvSpPr>
-          <p:cNvPr id="84" name="TextShape 3"/>
-          <p:cNvSpPr txBox="1"/>
+          <p:cNvPr id="82" name="CustomShape 3"/>
+          <p:cNvSpPr/>
           <p:nvPr/>
         </p:nvSpPr>
         <p:spPr>
           <a:xfrm>
             <a:off x="311760" y="1152360"/>
-            <a:ext cx="8520120" cy="3416040"/>
+            <a:ext cx="8519400" cy="3415320"/>
           </a:xfrm>
           <a:prstGeom prst="rect">
             <a:avLst/>
@@ -3408,10 +3424,16 @@
             <a:noFill/>
           </a:ln>
         </p:spPr>
-        <p:txBody>
-          <a:bodyPr tIns="91440" bIns="91440"/>
-          <a:p>
-            <a:pPr marL="457200" indent="-380520">
+        <p:style>
+          <a:lnRef idx="0"/>
+          <a:fillRef idx="0"/>
+          <a:effectRef idx="0"/>
+          <a:fontRef idx="minor"/>
+        </p:style>
+        <p:txBody>
+          <a:bodyPr lIns="90000" rIns="90000" tIns="91440" bIns="91440"/>
+          <a:p>
+            <a:pPr marL="457200" indent="-379800">
               <a:lnSpc>
                 <a:spcPct val="100000"/>
               </a:lnSpc>
@@ -3454,7 +3476,7 @@
             <a:endParaRPr/>
           </a:p>
           <a:p>
-            <a:pPr marL="457200" indent="-380520">
+            <a:pPr marL="457200" indent="-379800">
               <a:lnSpc>
                 <a:spcPct val="150000"/>
               </a:lnSpc>
@@ -3482,7 +3504,7 @@
             <a:endParaRPr/>
           </a:p>
           <a:p>
-            <a:pPr marL="457200" indent="-380520">
+            <a:pPr marL="457200" indent="-379800">
               <a:lnSpc>
                 <a:spcPct val="150000"/>
               </a:lnSpc>
@@ -3510,7 +3532,7 @@
             <a:endParaRPr/>
           </a:p>
           <a:p>
-            <a:pPr marL="457200" indent="-380520">
+            <a:pPr marL="457200" indent="-379800">
               <a:lnSpc>
                 <a:spcPct val="150000"/>
               </a:lnSpc>
@@ -3538,7 +3560,7 @@
             <a:endParaRPr/>
           </a:p>
           <a:p>
-            <a:pPr marL="457200" indent="-380520">
+            <a:pPr marL="457200" indent="-379800">
               <a:lnSpc>
                 <a:spcPct val="150000"/>
               </a:lnSpc>
@@ -3566,7 +3588,7 @@
             <a:endParaRPr/>
           </a:p>
           <a:p>
-            <a:pPr marL="457200" indent="-380520">
+            <a:pPr marL="457200" indent="-379800">
               <a:lnSpc>
                 <a:spcPct val="150000"/>
               </a:lnSpc>
@@ -3605,7 +3627,7 @@
       </p:sp>
       <p:pic>
         <p:nvPicPr>
-          <p:cNvPr id="85" name="Shape 63" descr=""/>
+          <p:cNvPr id="83" name="Shape 63" descr=""/>
           <p:cNvPicPr/>
           <p:nvPr/>
         </p:nvPicPr>
@@ -3616,7 +3638,7 @@
         <p:spPr>
           <a:xfrm>
             <a:off x="5680080" y="2365560"/>
-            <a:ext cx="1735920" cy="1735920"/>
+            <a:ext cx="1735200" cy="1735200"/>
           </a:xfrm>
           <a:prstGeom prst="rect">
             <a:avLst/>
@@ -3628,7 +3650,7 @@
       </p:pic>
       <p:pic>
         <p:nvPicPr>
-          <p:cNvPr id="86" name="Shape 64" descr=""/>
+          <p:cNvPr id="84" name="Shape 64" descr=""/>
           <p:cNvPicPr/>
           <p:nvPr/>
         </p:nvPicPr>
@@ -3639,7 +3661,7 @@
         <p:spPr>
           <a:xfrm>
             <a:off x="5699880" y="2376000"/>
-            <a:ext cx="1928880" cy="1725480"/>
+            <a:ext cx="1928160" cy="1724760"/>
           </a:xfrm>
           <a:prstGeom prst="rect">
             <a:avLst/>
@@ -3685,7 +3707,7 @@
                                           </p:stCondLst>
                                         </p:cTn>
                                         <p:tgtEl>
-                                          <p:spTgt spid="86"/>
+                                          <p:spTgt spid="84"/>
                                         </p:tgtEl>
                                         <p:attrNameLst>
                                           <p:attrName>style.visibility</p:attrName>
@@ -3699,7 +3721,7 @@
                                       <p:cBhvr additive="repl">
                                         <p:cTn id="9" dur="1000"/>
                                         <p:tgtEl>
-                                          <p:spTgt spid="86"/>
+                                          <p:spTgt spid="84"/>
                                         </p:tgtEl>
                                       </p:cBhvr>
                                     </p:animEffect>
@@ -3716,7 +3738,7 @@
                                       <p:cBhvr additive="repl">
                                         <p:cTn id="11" dur="1000"/>
                                         <p:tgtEl>
-                                          <p:spTgt spid="85"/>
+                                          <p:spTgt spid="83"/>
                                         </p:tgtEl>
                                       </p:cBhvr>
                                     </p:animEffect>
@@ -3728,7 +3750,7 @@
                                           </p:stCondLst>
                                         </p:cTn>
                                         <p:tgtEl>
-                                          <p:spTgt spid="85"/>
+                                          <p:spTgt spid="83"/>
                                         </p:tgtEl>
                                         <p:attrNameLst>
                                           <p:attrName>style.visibility</p:attrName>
@@ -3801,14 +3823,14 @@
       </p:grpSpPr>
       <p:sp>
         <p:nvSpPr>
-          <p:cNvPr id="87" name="CustomShape 1"/>
+          <p:cNvPr id="85" name="CustomShape 1"/>
           <p:cNvSpPr/>
           <p:nvPr/>
         </p:nvSpPr>
         <p:spPr>
           <a:xfrm>
             <a:off x="-39240" y="-68400"/>
-            <a:ext cx="9182520" cy="5222160"/>
+            <a:ext cx="9181800" cy="5221440"/>
           </a:xfrm>
           <a:prstGeom prst="rect">
             <a:avLst/>
@@ -3834,14 +3856,14 @@
       </p:sp>
       <p:sp>
         <p:nvSpPr>
-          <p:cNvPr id="88" name="TextShape 2"/>
-          <p:cNvSpPr txBox="1"/>
+          <p:cNvPr id="86" name="CustomShape 2"/>
+          <p:cNvSpPr/>
           <p:nvPr/>
         </p:nvSpPr>
         <p:spPr>
           <a:xfrm>
             <a:off x="311760" y="444960"/>
-            <a:ext cx="8520120" cy="572400"/>
+            <a:ext cx="8519400" cy="571680"/>
           </a:xfrm>
           <a:prstGeom prst="rect">
             <a:avLst/>
@@ -3851,14 +3873,15 @@
             <a:noFill/>
           </a:ln>
         </p:spPr>
-        <p:txBody>
-          <a:bodyPr tIns="91440" bIns="91440"/>
-          <a:p>
-            <a:pPr>
-              <a:lnSpc>
-                <a:spcPct val="100000"/>
-              </a:lnSpc>
-            </a:pPr>
+        <p:style>
+          <a:lnRef idx="0"/>
+          <a:fillRef idx="0"/>
+          <a:effectRef idx="0"/>
+          <a:fontRef idx="minor"/>
+        </p:style>
+        <p:txBody>
+          <a:bodyPr lIns="90000" rIns="90000" tIns="91440" bIns="91440"/>
+          <a:p>
             <a:r>
               <a:rPr lang="en-GB" sz="2800" spc="-1" strike="noStrike">
                 <a:solidFill>
@@ -3874,36 +3897,28 @@
               </a:rPr>
               <a:t>Distributed networks</a:t>
             </a:r>
-            <a:r>
-              <a:rPr lang="en-GB" sz="2800" spc="-1" strike="noStrike">
-                <a:solidFill>
-                  <a:srgbClr val="ffffff"/>
-                </a:solidFill>
-                <a:uFill>
-                  <a:solidFill>
-                    <a:srgbClr val="ffffff"/>
-                  </a:solidFill>
-                </a:uFill>
-                <a:latin typeface="Roboto"/>
-                <a:ea typeface="Roboto"/>
-              </a:rPr>
-              <a:t>
-</a:t>
-            </a:r>
-            <a:endParaRPr/>
-          </a:p>
-        </p:txBody>
-      </p:sp>
-      <p:sp>
-        <p:nvSpPr>
-          <p:cNvPr id="89" name="TextShape 3"/>
-          <p:cNvSpPr txBox="1"/>
+            <a:endParaRPr/>
+          </a:p>
+          <a:p>
+            <a:pPr>
+              <a:lnSpc>
+                <a:spcPct val="100000"/>
+              </a:lnSpc>
+            </a:pPr>
+            <a:endParaRPr/>
+          </a:p>
+        </p:txBody>
+      </p:sp>
+      <p:sp>
+        <p:nvSpPr>
+          <p:cNvPr id="87" name="CustomShape 3"/>
+          <p:cNvSpPr/>
           <p:nvPr/>
         </p:nvSpPr>
         <p:spPr>
           <a:xfrm>
             <a:off x="263160" y="1314360"/>
-            <a:ext cx="5181120" cy="2957760"/>
+            <a:ext cx="5180400" cy="2957040"/>
           </a:xfrm>
           <a:prstGeom prst="rect">
             <a:avLst/>
@@ -3913,10 +3928,16 @@
             <a:noFill/>
           </a:ln>
         </p:spPr>
-        <p:txBody>
-          <a:bodyPr tIns="91440" bIns="91440"/>
-          <a:p>
-            <a:pPr marL="457200" indent="-355320">
+        <p:style>
+          <a:lnRef idx="0"/>
+          <a:fillRef idx="0"/>
+          <a:effectRef idx="0"/>
+          <a:fontRef idx="minor"/>
+        </p:style>
+        <p:txBody>
+          <a:bodyPr lIns="90000" rIns="90000" tIns="91440" bIns="91440"/>
+          <a:p>
+            <a:pPr marL="457200" indent="-354600">
               <a:lnSpc>
                 <a:spcPct val="150000"/>
               </a:lnSpc>
@@ -3944,7 +3965,7 @@
             <a:endParaRPr/>
           </a:p>
           <a:p>
-            <a:pPr marL="457200" indent="-355320">
+            <a:pPr marL="457200" indent="-354600">
               <a:lnSpc>
                 <a:spcPct val="150000"/>
               </a:lnSpc>
@@ -3972,7 +3993,7 @@
             <a:endParaRPr/>
           </a:p>
           <a:p>
-            <a:pPr marL="457200" indent="-355320">
+            <a:pPr marL="457200" indent="-354600">
               <a:lnSpc>
                 <a:spcPct val="150000"/>
               </a:lnSpc>
@@ -4000,7 +4021,7 @@
             <a:endParaRPr/>
           </a:p>
           <a:p>
-            <a:pPr marL="457200" indent="-355320">
+            <a:pPr marL="457200" indent="-354600">
               <a:lnSpc>
                 <a:spcPct val="150000"/>
               </a:lnSpc>
@@ -4028,7 +4049,7 @@
             <a:endParaRPr/>
           </a:p>
           <a:p>
-            <a:pPr marL="457200" indent="-355320">
+            <a:pPr marL="457200" indent="-354600">
               <a:lnSpc>
                 <a:spcPct val="150000"/>
               </a:lnSpc>
@@ -4075,7 +4096,7 @@
       </p:sp>
       <p:pic>
         <p:nvPicPr>
-          <p:cNvPr id="90" name="Shape 72" descr=""/>
+          <p:cNvPr id="88" name="Shape 72" descr=""/>
           <p:cNvPicPr/>
           <p:nvPr/>
         </p:nvPicPr>
@@ -4086,7 +4107,7 @@
         <p:spPr>
           <a:xfrm>
             <a:off x="5369760" y="1170000"/>
-            <a:ext cx="3578760" cy="3102120"/>
+            <a:ext cx="3578040" cy="3101400"/>
           </a:xfrm>
           <a:prstGeom prst="rect">
             <a:avLst/>
@@ -4157,14 +4178,14 @@
       </p:grpSpPr>
       <p:sp>
         <p:nvSpPr>
-          <p:cNvPr id="91" name="CustomShape 1"/>
+          <p:cNvPr id="89" name="CustomShape 1"/>
           <p:cNvSpPr/>
           <p:nvPr/>
         </p:nvSpPr>
         <p:spPr>
           <a:xfrm>
             <a:off x="-39240" y="-68400"/>
-            <a:ext cx="9182520" cy="5222160"/>
+            <a:ext cx="9181800" cy="5221440"/>
           </a:xfrm>
           <a:prstGeom prst="rect">
             <a:avLst/>
@@ -4190,14 +4211,14 @@
       </p:sp>
       <p:sp>
         <p:nvSpPr>
-          <p:cNvPr id="92" name="TextShape 2"/>
-          <p:cNvSpPr txBox="1"/>
+          <p:cNvPr id="90" name="CustomShape 2"/>
+          <p:cNvSpPr/>
           <p:nvPr/>
         </p:nvSpPr>
         <p:spPr>
           <a:xfrm>
             <a:off x="311760" y="444960"/>
-            <a:ext cx="8520120" cy="572400"/>
+            <a:ext cx="8519400" cy="571680"/>
           </a:xfrm>
           <a:prstGeom prst="rect">
             <a:avLst/>
@@ -4207,8 +4228,14 @@
             <a:noFill/>
           </a:ln>
         </p:spPr>
-        <p:txBody>
-          <a:bodyPr tIns="91440" bIns="91440"/>
+        <p:style>
+          <a:lnRef idx="0"/>
+          <a:fillRef idx="0"/>
+          <a:effectRef idx="0"/>
+          <a:fontRef idx="minor"/>
+        </p:style>
+        <p:txBody>
+          <a:bodyPr lIns="90000" rIns="90000" tIns="91440" bIns="91440"/>
           <a:p>
             <a:pPr>
               <a:lnSpc>
@@ -4236,14 +4263,14 @@
       </p:sp>
       <p:sp>
         <p:nvSpPr>
-          <p:cNvPr id="93" name="TextShape 3"/>
-          <p:cNvSpPr txBox="1"/>
+          <p:cNvPr id="91" name="CustomShape 3"/>
+          <p:cNvSpPr/>
           <p:nvPr/>
         </p:nvSpPr>
         <p:spPr>
           <a:xfrm>
             <a:off x="311760" y="1152360"/>
-            <a:ext cx="8520120" cy="3416040"/>
+            <a:ext cx="8519400" cy="3415320"/>
           </a:xfrm>
           <a:prstGeom prst="rect">
             <a:avLst/>
@@ -4253,10 +4280,16 @@
             <a:noFill/>
           </a:ln>
         </p:spPr>
-        <p:txBody>
-          <a:bodyPr tIns="91440" bIns="91440"/>
-          <a:p>
-            <a:pPr marL="457200" indent="-348840">
+        <p:style>
+          <a:lnRef idx="0"/>
+          <a:fillRef idx="0"/>
+          <a:effectRef idx="0"/>
+          <a:fontRef idx="minor"/>
+        </p:style>
+        <p:txBody>
+          <a:bodyPr lIns="90000" rIns="90000" tIns="91440" bIns="91440"/>
+          <a:p>
+            <a:pPr marL="457200" indent="-348120">
               <a:lnSpc>
                 <a:spcPct val="150000"/>
               </a:lnSpc>
@@ -4284,7 +4317,7 @@
             <a:endParaRPr/>
           </a:p>
           <a:p>
-            <a:pPr marL="457200" indent="-348840">
+            <a:pPr marL="457200" indent="-348120">
               <a:lnSpc>
                 <a:spcPct val="150000"/>
               </a:lnSpc>
@@ -4312,7 +4345,7 @@
             <a:endParaRPr/>
           </a:p>
           <a:p>
-            <a:pPr marL="457200" indent="-348840">
+            <a:pPr marL="457200" indent="-348120">
               <a:lnSpc>
                 <a:spcPct val="150000"/>
               </a:lnSpc>
@@ -4340,7 +4373,7 @@
             <a:endParaRPr/>
           </a:p>
           <a:p>
-            <a:pPr marL="457200" indent="-348840">
+            <a:pPr marL="457200" indent="-348120">
               <a:lnSpc>
                 <a:spcPct val="150000"/>
               </a:lnSpc>
@@ -4368,7 +4401,7 @@
             <a:endParaRPr/>
           </a:p>
           <a:p>
-            <a:pPr marL="457200" indent="-348840">
+            <a:pPr marL="457200" indent="-348120">
               <a:lnSpc>
                 <a:spcPct val="150000"/>
               </a:lnSpc>
@@ -4458,14 +4491,14 @@
       </p:grpSpPr>
       <p:sp>
         <p:nvSpPr>
-          <p:cNvPr id="94" name="CustomShape 1"/>
+          <p:cNvPr id="92" name="CustomShape 1"/>
           <p:cNvSpPr/>
           <p:nvPr/>
         </p:nvSpPr>
         <p:spPr>
           <a:xfrm>
             <a:off x="-39240" y="-68400"/>
-            <a:ext cx="9182520" cy="5222160"/>
+            <a:ext cx="9181800" cy="5221440"/>
           </a:xfrm>
           <a:prstGeom prst="rect">
             <a:avLst/>
@@ -4491,14 +4524,14 @@
       </p:sp>
       <p:sp>
         <p:nvSpPr>
-          <p:cNvPr id="95" name="TextShape 2"/>
-          <p:cNvSpPr txBox="1"/>
+          <p:cNvPr id="93" name="CustomShape 2"/>
+          <p:cNvSpPr/>
           <p:nvPr/>
         </p:nvSpPr>
         <p:spPr>
           <a:xfrm>
             <a:off x="311760" y="444960"/>
-            <a:ext cx="8520120" cy="572400"/>
+            <a:ext cx="8519400" cy="571680"/>
           </a:xfrm>
           <a:prstGeom prst="rect">
             <a:avLst/>
@@ -4508,8 +4541,14 @@
             <a:noFill/>
           </a:ln>
         </p:spPr>
-        <p:txBody>
-          <a:bodyPr tIns="91440" bIns="91440"/>
+        <p:style>
+          <a:lnRef idx="0"/>
+          <a:fillRef idx="0"/>
+          <a:effectRef idx="0"/>
+          <a:fontRef idx="minor"/>
+        </p:style>
+        <p:txBody>
+          <a:bodyPr lIns="90000" rIns="90000" tIns="91440" bIns="91440"/>
           <a:p>
             <a:pPr>
               <a:lnSpc>
@@ -4537,14 +4576,14 @@
       </p:sp>
       <p:sp>
         <p:nvSpPr>
-          <p:cNvPr id="96" name="TextShape 3"/>
-          <p:cNvSpPr txBox="1"/>
+          <p:cNvPr id="94" name="CustomShape 3"/>
+          <p:cNvSpPr/>
           <p:nvPr/>
         </p:nvSpPr>
         <p:spPr>
           <a:xfrm>
             <a:off x="311760" y="1152360"/>
-            <a:ext cx="8616240" cy="3416040"/>
+            <a:ext cx="8615520" cy="3415320"/>
           </a:xfrm>
           <a:prstGeom prst="rect">
             <a:avLst/>
@@ -4554,14 +4593,15 @@
             <a:noFill/>
           </a:ln>
         </p:spPr>
-        <p:txBody>
-          <a:bodyPr tIns="91440" bIns="91440"/>
-          <a:p>
-            <a:pPr>
-              <a:lnSpc>
-                <a:spcPct val="150000"/>
-              </a:lnSpc>
-            </a:pPr>
+        <p:style>
+          <a:lnRef idx="0"/>
+          <a:fillRef idx="0"/>
+          <a:effectRef idx="0"/>
+          <a:fontRef idx="minor"/>
+        </p:style>
+        <p:txBody>
+          <a:bodyPr lIns="90000" rIns="90000" tIns="91440" bIns="91440"/>
+          <a:p>
             <a:r>
               <a:rPr lang="en-GB" sz="1600" spc="-1" strike="noStrike">
                 <a:solidFill>
@@ -4577,6 +4617,14 @@
               </a:rPr>
               <a:t>Vitalik Buterin proposes Ethereum at the end of 2013:</a:t>
             </a:r>
+            <a:endParaRPr/>
+          </a:p>
+          <a:p>
+            <a:pPr>
+              <a:lnSpc>
+                <a:spcPct val="150000"/>
+              </a:lnSpc>
+            </a:pPr>
             <a:r>
               <a:rPr lang="en-GB" sz="1600" spc="-1" strike="noStrike">
                 <a:solidFill>
@@ -4590,9 +4638,16 @@
                 <a:latin typeface="Roboto"/>
                 <a:ea typeface="Roboto"/>
               </a:rPr>
-              <a:t>
-</a:t>
-            </a:r>
+              <a:t>Software as part of the blockchain-database</a:t>
+            </a:r>
+            <a:endParaRPr/>
+          </a:p>
+          <a:p>
+            <a:pPr marL="457200" indent="-297360">
+              <a:lnSpc>
+                <a:spcPct val="150000"/>
+              </a:lnSpc>
+            </a:pPr>
             <a:r>
               <a:rPr lang="en-GB" sz="1600" spc="-1" strike="noStrike">
                 <a:solidFill>
@@ -4606,12 +4661,12 @@
                 <a:latin typeface="Roboto"/>
                 <a:ea typeface="Roboto"/>
               </a:rPr>
-              <a:t>Software as part of the blockchain-database</a:t>
-            </a:r>
-            <a:endParaRPr/>
-          </a:p>
-          <a:p>
-            <a:pPr marL="457200" indent="-298080">
+              <a:t>Non-profit-Organisation, open source / free software</a:t>
+            </a:r>
+            <a:endParaRPr/>
+          </a:p>
+          <a:p>
+            <a:pPr marL="457200" indent="-297360">
               <a:lnSpc>
                 <a:spcPct val="150000"/>
               </a:lnSpc>
@@ -4629,12 +4684,12 @@
                 <a:latin typeface="Roboto"/>
                 <a:ea typeface="Roboto"/>
               </a:rPr>
-              <a:t>Non-profit-Organisation, open source / free software</a:t>
-            </a:r>
-            <a:endParaRPr/>
-          </a:p>
-          <a:p>
-            <a:pPr marL="457200" indent="-298080">
+              <a:t>$18 million USD raised during a presale in Summer 2014</a:t>
+            </a:r>
+            <a:endParaRPr/>
+          </a:p>
+          <a:p>
+            <a:pPr marL="457200" indent="-297360">
               <a:lnSpc>
                 <a:spcPct val="150000"/>
               </a:lnSpc>
@@ -4652,12 +4707,12 @@
                 <a:latin typeface="Roboto"/>
                 <a:ea typeface="Roboto"/>
               </a:rPr>
-              <a:t>$18 million USD raised during a presale in Summer 2014</a:t>
-            </a:r>
-            <a:endParaRPr/>
-          </a:p>
-          <a:p>
-            <a:pPr marL="457200" indent="-298080">
+              <a:t>Community driven R&amp;D project</a:t>
+            </a:r>
+            <a:endParaRPr/>
+          </a:p>
+          <a:p>
+            <a:pPr marL="457200" indent="-297360">
               <a:lnSpc>
                 <a:spcPct val="150000"/>
               </a:lnSpc>
@@ -4675,35 +4730,12 @@
                 <a:latin typeface="Roboto"/>
                 <a:ea typeface="Roboto"/>
               </a:rPr>
-              <a:t>Community driven R&amp;D project</a:t>
-            </a:r>
-            <a:endParaRPr/>
-          </a:p>
-          <a:p>
-            <a:pPr marL="457200" indent="-298080">
-              <a:lnSpc>
-                <a:spcPct val="150000"/>
-              </a:lnSpc>
-            </a:pPr>
-            <a:r>
-              <a:rPr lang="en-GB" sz="1600" spc="-1" strike="noStrike">
-                <a:solidFill>
-                  <a:srgbClr val="ffffff"/>
-                </a:solidFill>
-                <a:uFill>
-                  <a:solidFill>
-                    <a:srgbClr val="ffffff"/>
-                  </a:solidFill>
-                </a:uFill>
-                <a:latin typeface="Roboto"/>
-                <a:ea typeface="Roboto"/>
-              </a:rPr>
               <a:t>250 Meetups around the world with 40434 members</a:t>
             </a:r>
             <a:endParaRPr/>
           </a:p>
           <a:p>
-            <a:pPr marL="457200" indent="-298080">
+            <a:pPr marL="457200" indent="-297360">
               <a:lnSpc>
                 <a:spcPct val="150000"/>
               </a:lnSpc>
@@ -4726,7 +4758,7 @@
             <a:endParaRPr/>
           </a:p>
           <a:p>
-            <a:pPr marL="457200" indent="-298080">
+            <a:pPr marL="457200" indent="-297360">
               <a:lnSpc>
                 <a:spcPct val="150000"/>
               </a:lnSpc>
@@ -4811,14 +4843,14 @@
       </p:grpSpPr>
       <p:sp>
         <p:nvSpPr>
-          <p:cNvPr id="97" name="CustomShape 1"/>
+          <p:cNvPr id="95" name="CustomShape 1"/>
           <p:cNvSpPr/>
           <p:nvPr/>
         </p:nvSpPr>
         <p:spPr>
           <a:xfrm>
             <a:off x="-39240" y="-68400"/>
-            <a:ext cx="9182520" cy="5222160"/>
+            <a:ext cx="9181800" cy="5221440"/>
           </a:xfrm>
           <a:prstGeom prst="rect">
             <a:avLst/>
@@ -4844,14 +4876,14 @@
       </p:sp>
       <p:sp>
         <p:nvSpPr>
-          <p:cNvPr id="98" name="TextShape 2"/>
-          <p:cNvSpPr txBox="1"/>
+          <p:cNvPr id="96" name="CustomShape 2"/>
+          <p:cNvSpPr/>
           <p:nvPr/>
         </p:nvSpPr>
         <p:spPr>
           <a:xfrm>
             <a:off x="311760" y="444960"/>
-            <a:ext cx="8520120" cy="572400"/>
+            <a:ext cx="8519400" cy="571680"/>
           </a:xfrm>
           <a:prstGeom prst="rect">
             <a:avLst/>
@@ -4861,8 +4893,14 @@
             <a:noFill/>
           </a:ln>
         </p:spPr>
-        <p:txBody>
-          <a:bodyPr tIns="91440" bIns="91440"/>
+        <p:style>
+          <a:lnRef idx="0"/>
+          <a:fillRef idx="0"/>
+          <a:effectRef idx="0"/>
+          <a:fontRef idx="minor"/>
+        </p:style>
+        <p:txBody>
+          <a:bodyPr lIns="90000" rIns="90000" tIns="91440" bIns="91440"/>
           <a:p>
             <a:pPr>
               <a:lnSpc>
@@ -4890,14 +4928,14 @@
       </p:sp>
       <p:sp>
         <p:nvSpPr>
-          <p:cNvPr id="99" name="TextShape 3"/>
-          <p:cNvSpPr txBox="1"/>
+          <p:cNvPr id="97" name="CustomShape 3"/>
+          <p:cNvSpPr/>
           <p:nvPr/>
         </p:nvSpPr>
         <p:spPr>
           <a:xfrm>
             <a:off x="311760" y="1152360"/>
-            <a:ext cx="8520120" cy="3416040"/>
+            <a:ext cx="8519400" cy="3415320"/>
           </a:xfrm>
           <a:prstGeom prst="rect">
             <a:avLst/>
@@ -4907,10 +4945,16 @@
             <a:noFill/>
           </a:ln>
         </p:spPr>
-        <p:txBody>
-          <a:bodyPr tIns="91440" bIns="91440"/>
-          <a:p>
-            <a:pPr marL="457200" indent="-228240">
+        <p:style>
+          <a:lnRef idx="0"/>
+          <a:fillRef idx="0"/>
+          <a:effectRef idx="0"/>
+          <a:fontRef idx="minor"/>
+        </p:style>
+        <p:txBody>
+          <a:bodyPr lIns="90000" rIns="90000" tIns="91440" bIns="91440"/>
+          <a:p>
+            <a:pPr marL="457200" indent="-227520">
               <a:lnSpc>
                 <a:spcPct val="150000"/>
               </a:lnSpc>
@@ -4938,7 +4982,7 @@
             <a:endParaRPr/>
           </a:p>
           <a:p>
-            <a:pPr marL="457200" indent="-228240">
+            <a:pPr marL="457200" indent="-227520">
               <a:lnSpc>
                 <a:spcPct val="150000"/>
               </a:lnSpc>
@@ -4966,7 +5010,7 @@
             <a:endParaRPr/>
           </a:p>
           <a:p>
-            <a:pPr marL="457200" indent="-228240">
+            <a:pPr marL="457200" indent="-227520">
               <a:lnSpc>
                 <a:spcPct val="150000"/>
               </a:lnSpc>
@@ -4994,7 +5038,7 @@
             <a:endParaRPr/>
           </a:p>
           <a:p>
-            <a:pPr marL="457200" indent="-228240">
+            <a:pPr marL="457200" indent="-227520">
               <a:lnSpc>
                 <a:spcPct val="150000"/>
               </a:lnSpc>
@@ -5153,14 +5197,14 @@
       </p:grpSpPr>
       <p:sp>
         <p:nvSpPr>
-          <p:cNvPr id="100" name="CustomShape 1"/>
+          <p:cNvPr id="98" name="CustomShape 1"/>
           <p:cNvSpPr/>
           <p:nvPr/>
         </p:nvSpPr>
         <p:spPr>
           <a:xfrm>
             <a:off x="-39240" y="-68400"/>
-            <a:ext cx="9182520" cy="5222160"/>
+            <a:ext cx="9181800" cy="5221440"/>
           </a:xfrm>
           <a:prstGeom prst="rect">
             <a:avLst/>
@@ -5186,14 +5230,14 @@
       </p:sp>
       <p:sp>
         <p:nvSpPr>
-          <p:cNvPr id="101" name="TextShape 2"/>
-          <p:cNvSpPr txBox="1"/>
+          <p:cNvPr id="99" name="CustomShape 2"/>
+          <p:cNvSpPr/>
           <p:nvPr/>
         </p:nvSpPr>
         <p:spPr>
           <a:xfrm>
             <a:off x="311760" y="444960"/>
-            <a:ext cx="8520120" cy="572400"/>
+            <a:ext cx="8519400" cy="571680"/>
           </a:xfrm>
           <a:prstGeom prst="rect">
             <a:avLst/>
@@ -5203,8 +5247,14 @@
             <a:noFill/>
           </a:ln>
         </p:spPr>
-        <p:txBody>
-          <a:bodyPr tIns="91440" bIns="91440"/>
+        <p:style>
+          <a:lnRef idx="0"/>
+          <a:fillRef idx="0"/>
+          <a:effectRef idx="0"/>
+          <a:fontRef idx="minor"/>
+        </p:style>
+        <p:txBody>
+          <a:bodyPr lIns="90000" rIns="90000" tIns="91440" bIns="91440"/>
           <a:p>
             <a:pPr>
               <a:lnSpc>
@@ -5232,14 +5282,14 @@
       </p:sp>
       <p:sp>
         <p:nvSpPr>
-          <p:cNvPr id="102" name="TextShape 3"/>
-          <p:cNvSpPr txBox="1"/>
+          <p:cNvPr id="100" name="CustomShape 3"/>
+          <p:cNvSpPr/>
           <p:nvPr/>
         </p:nvSpPr>
         <p:spPr>
           <a:xfrm>
             <a:off x="311760" y="1152360"/>
-            <a:ext cx="4323960" cy="3416040"/>
+            <a:ext cx="4323240" cy="3415320"/>
           </a:xfrm>
           <a:prstGeom prst="rect">
             <a:avLst/>
@@ -5249,10 +5299,16 @@
             <a:noFill/>
           </a:ln>
         </p:spPr>
-        <p:txBody>
-          <a:bodyPr tIns="91440" bIns="91440"/>
-          <a:p>
-            <a:pPr marL="457200" indent="-342720">
+        <p:style>
+          <a:lnRef idx="0"/>
+          <a:fillRef idx="0"/>
+          <a:effectRef idx="0"/>
+          <a:fontRef idx="minor"/>
+        </p:style>
+        <p:txBody>
+          <a:bodyPr lIns="90000" rIns="90000" tIns="91440" bIns="91440"/>
+          <a:p>
+            <a:pPr marL="457200" indent="-342000">
               <a:lnSpc>
                 <a:spcPct val="150000"/>
               </a:lnSpc>
@@ -5275,7 +5331,7 @@
             <a:endParaRPr/>
           </a:p>
           <a:p>
-            <a:pPr marL="457200" indent="-342720">
+            <a:pPr marL="457200" indent="-342000">
               <a:lnSpc>
                 <a:spcPct val="150000"/>
               </a:lnSpc>
@@ -5298,7 +5354,7 @@
             <a:endParaRPr/>
           </a:p>
           <a:p>
-            <a:pPr marL="457200" indent="-342720">
+            <a:pPr marL="457200" indent="-342000">
               <a:lnSpc>
                 <a:spcPct val="150000"/>
               </a:lnSpc>
@@ -5321,7 +5377,7 @@
             <a:endParaRPr/>
           </a:p>
           <a:p>
-            <a:pPr marL="457200" indent="-342720">
+            <a:pPr marL="457200" indent="-342000">
               <a:lnSpc>
                 <a:spcPct val="150000"/>
               </a:lnSpc>
@@ -5344,7 +5400,7 @@
             <a:endParaRPr/>
           </a:p>
           <a:p>
-            <a:pPr marL="457200" indent="-342720">
+            <a:pPr marL="457200" indent="-342000">
               <a:lnSpc>
                 <a:spcPct val="150000"/>
               </a:lnSpc>
@@ -5367,7 +5423,7 @@
             <a:endParaRPr/>
           </a:p>
           <a:p>
-            <a:pPr marL="457200" indent="-342720">
+            <a:pPr marL="457200" indent="-342000">
               <a:lnSpc>
                 <a:spcPct val="150000"/>
               </a:lnSpc>
@@ -5390,7 +5446,7 @@
             <a:endParaRPr/>
           </a:p>
           <a:p>
-            <a:pPr marL="457200" indent="-342720">
+            <a:pPr marL="457200" indent="-342000">
               <a:lnSpc>
                 <a:spcPct val="150000"/>
               </a:lnSpc>
@@ -5413,7 +5469,7 @@
             <a:endParaRPr/>
           </a:p>
           <a:p>
-            <a:pPr marL="457200" indent="-342720">
+            <a:pPr marL="457200" indent="-342000">
               <a:lnSpc>
                 <a:spcPct val="150000"/>
               </a:lnSpc>
@@ -5436,7 +5492,7 @@
             <a:endParaRPr/>
           </a:p>
           <a:p>
-            <a:pPr marL="457200" indent="-342720">
+            <a:pPr marL="457200" indent="-342000">
               <a:lnSpc>
                 <a:spcPct val="150000"/>
               </a:lnSpc>
@@ -5459,7 +5515,7 @@
             <a:endParaRPr/>
           </a:p>
           <a:p>
-            <a:pPr marL="457200" indent="-342720">
+            <a:pPr marL="457200" indent="-342000">
               <a:lnSpc>
                 <a:spcPct val="150000"/>
               </a:lnSpc>
@@ -5470,7 +5526,7 @@
       </p:sp>
       <p:pic>
         <p:nvPicPr>
-          <p:cNvPr id="103" name="Shape 101" descr=""/>
+          <p:cNvPr id="101" name="Shape 101" descr=""/>
           <p:cNvPicPr/>
           <p:nvPr/>
         </p:nvPicPr>
@@ -5481,7 +5537,7 @@
         <p:spPr>
           <a:xfrm>
             <a:off x="2635560" y="-1334520"/>
-            <a:ext cx="8193960" cy="8193960"/>
+            <a:ext cx="8193240" cy="8193240"/>
           </a:xfrm>
           <a:prstGeom prst="rect">
             <a:avLst/>
@@ -5552,14 +5608,14 @@
       </p:grpSpPr>
       <p:sp>
         <p:nvSpPr>
-          <p:cNvPr id="104" name="CustomShape 1"/>
+          <p:cNvPr id="102" name="CustomShape 1"/>
           <p:cNvSpPr/>
           <p:nvPr/>
         </p:nvSpPr>
         <p:spPr>
           <a:xfrm>
             <a:off x="-38520" y="-68400"/>
-            <a:ext cx="9182520" cy="5222160"/>
+            <a:ext cx="9181800" cy="5221440"/>
           </a:xfrm>
           <a:prstGeom prst="rect">
             <a:avLst/>
@@ -5585,14 +5641,14 @@
       </p:sp>
       <p:sp>
         <p:nvSpPr>
-          <p:cNvPr id="105" name="TextShape 2"/>
-          <p:cNvSpPr txBox="1"/>
+          <p:cNvPr id="103" name="CustomShape 2"/>
+          <p:cNvSpPr/>
           <p:nvPr/>
         </p:nvSpPr>
         <p:spPr>
           <a:xfrm>
             <a:off x="311760" y="444960"/>
-            <a:ext cx="8520120" cy="572400"/>
+            <a:ext cx="8519400" cy="571680"/>
           </a:xfrm>
           <a:prstGeom prst="rect">
             <a:avLst/>
@@ -5602,8 +5658,14 @@
             <a:noFill/>
           </a:ln>
         </p:spPr>
-        <p:txBody>
-          <a:bodyPr tIns="91440" bIns="91440"/>
+        <p:style>
+          <a:lnRef idx="0"/>
+          <a:fillRef idx="0"/>
+          <a:effectRef idx="0"/>
+          <a:fontRef idx="minor"/>
+        </p:style>
+        <p:txBody>
+          <a:bodyPr lIns="90000" rIns="90000" tIns="91440" bIns="91440"/>
           <a:p>
             <a:pPr>
               <a:lnSpc>
@@ -5631,14 +5693,14 @@
       </p:sp>
       <p:sp>
         <p:nvSpPr>
-          <p:cNvPr id="106" name="TextShape 3"/>
-          <p:cNvSpPr txBox="1"/>
+          <p:cNvPr id="104" name="CustomShape 3"/>
+          <p:cNvSpPr/>
           <p:nvPr/>
         </p:nvSpPr>
         <p:spPr>
           <a:xfrm>
             <a:off x="311760" y="1152360"/>
-            <a:ext cx="8520120" cy="3416040"/>
+            <a:ext cx="8519400" cy="3415320"/>
           </a:xfrm>
           <a:prstGeom prst="rect">
             <a:avLst/>
@@ -5648,14 +5710,15 @@
             <a:noFill/>
           </a:ln>
         </p:spPr>
-        <p:txBody>
-          <a:bodyPr tIns="91440" bIns="91440"/>
-          <a:p>
-            <a:pPr>
-              <a:lnSpc>
-                <a:spcPct val="138000"/>
-              </a:lnSpc>
-            </a:pPr>
+        <p:style>
+          <a:lnRef idx="0"/>
+          <a:fillRef idx="0"/>
+          <a:effectRef idx="0"/>
+          <a:fontRef idx="minor"/>
+        </p:style>
+        <p:txBody>
+          <a:bodyPr lIns="90000" rIns="90000" tIns="91440" bIns="91440"/>
+          <a:p>
             <a:r>
               <a:rPr lang="en-GB" sz="1800" spc="-1" strike="noStrike">
                 <a:solidFill>
@@ -5671,6 +5734,9 @@
               </a:rPr>
               <a:t>Slock.it (Smart Locks)</a:t>
             </a:r>
+            <a:endParaRPr/>
+          </a:p>
+          <a:p>
             <a:r>
               <a:rPr lang="en-GB" sz="1800" spc="-1" strike="noStrike">
                 <a:solidFill>
@@ -5684,9 +5750,11 @@
                 <a:latin typeface="Roboto"/>
                 <a:ea typeface="Roboto"/>
               </a:rPr>
-              <a:t>
-</a:t>
-            </a:r>
+              <a:t>Augur (Prediction Market),</a:t>
+            </a:r>
+            <a:endParaRPr/>
+          </a:p>
+          <a:p>
             <a:r>
               <a:rPr lang="en-GB" sz="1800" spc="-1" strike="noStrike">
                 <a:solidFill>
@@ -5700,8 +5768,11 @@
                 <a:latin typeface="Roboto"/>
                 <a:ea typeface="Roboto"/>
               </a:rPr>
-              <a:t>Augur (Prediction Market),</a:t>
-            </a:r>
+              <a:t>Ujo Music (decentralised music platform),</a:t>
+            </a:r>
+            <a:endParaRPr/>
+          </a:p>
+          <a:p>
             <a:r>
               <a:rPr lang="en-GB" sz="1800" spc="-1" strike="noStrike">
                 <a:solidFill>
@@ -5715,71 +5786,16 @@
                 <a:latin typeface="Roboto"/>
                 <a:ea typeface="Roboto"/>
               </a:rPr>
-              <a:t>
-</a:t>
-            </a:r>
-            <a:r>
-              <a:rPr lang="en-GB" sz="1800" spc="-1" strike="noStrike">
-                <a:solidFill>
-                  <a:srgbClr val="ffffff"/>
-                </a:solidFill>
-                <a:uFill>
-                  <a:solidFill>
-                    <a:srgbClr val="ffffff"/>
-                  </a:solidFill>
-                </a:uFill>
-                <a:latin typeface="Roboto"/>
-                <a:ea typeface="Roboto"/>
-              </a:rPr>
-              <a:t>Ujo Music (decentralised music platform),</a:t>
-            </a:r>
-            <a:r>
-              <a:rPr lang="en-GB" sz="1800" spc="-1" strike="noStrike">
-                <a:solidFill>
-                  <a:srgbClr val="ffffff"/>
-                </a:solidFill>
-                <a:uFill>
-                  <a:solidFill>
-                    <a:srgbClr val="ffffff"/>
-                  </a:solidFill>
-                </a:uFill>
-                <a:latin typeface="Roboto"/>
-                <a:ea typeface="Roboto"/>
-              </a:rPr>
-              <a:t>
-</a:t>
-            </a:r>
-            <a:r>
-              <a:rPr lang="en-GB" sz="1800" spc="-1" strike="noStrike">
-                <a:solidFill>
-                  <a:srgbClr val="ffffff"/>
-                </a:solidFill>
-                <a:uFill>
-                  <a:solidFill>
-                    <a:srgbClr val="ffffff"/>
-                  </a:solidFill>
-                </a:uFill>
-                <a:latin typeface="Roboto"/>
-                <a:ea typeface="Roboto"/>
-              </a:rPr>
               <a:t>Maker (stable coin),</a:t>
             </a:r>
-            <a:r>
-              <a:rPr lang="en-GB" sz="1800" spc="-1" strike="noStrike">
-                <a:solidFill>
-                  <a:srgbClr val="ffffff"/>
-                </a:solidFill>
-                <a:uFill>
-                  <a:solidFill>
-                    <a:srgbClr val="ffffff"/>
-                  </a:solidFill>
-                </a:uFill>
-                <a:latin typeface="Roboto"/>
-                <a:ea typeface="Roboto"/>
-              </a:rPr>
-              <a:t>
-</a:t>
-            </a:r>
+            <a:endParaRPr/>
+          </a:p>
+          <a:p>
+            <a:pPr>
+              <a:lnSpc>
+                <a:spcPct val="138000"/>
+              </a:lnSpc>
+            </a:pPr>
             <a:r>
               <a:rPr lang="en-GB" sz="1800" spc="-1" strike="noStrike">
                 <a:solidFill>
@@ -5922,14 +5938,14 @@
       </p:grpSpPr>
       <p:sp>
         <p:nvSpPr>
-          <p:cNvPr id="107" name="CustomShape 1"/>
+          <p:cNvPr id="105" name="CustomShape 1"/>
           <p:cNvSpPr/>
           <p:nvPr/>
         </p:nvSpPr>
         <p:spPr>
           <a:xfrm>
             <a:off x="0" y="-38160"/>
-            <a:ext cx="9182520" cy="5222160"/>
+            <a:ext cx="9181800" cy="5221440"/>
           </a:xfrm>
           <a:prstGeom prst="rect">
             <a:avLst/>
@@ -5955,7 +5971,7 @@
       </p:sp>
       <p:pic>
         <p:nvPicPr>
-          <p:cNvPr id="108" name="Shape 90" descr=""/>
+          <p:cNvPr id="106" name="Shape 90" descr=""/>
           <p:cNvPicPr/>
           <p:nvPr/>
         </p:nvPicPr>
@@ -5966,7 +5982,7 @@
         <p:spPr>
           <a:xfrm>
             <a:off x="1224000" y="1296000"/>
-            <a:ext cx="6336000" cy="3565080"/>
+            <a:ext cx="6335280" cy="3564360"/>
           </a:xfrm>
           <a:prstGeom prst="rect">
             <a:avLst/>
@@ -5978,14 +5994,14 @@
       </p:pic>
       <p:sp>
         <p:nvSpPr>
-          <p:cNvPr id="109" name="TextShape 2"/>
-          <p:cNvSpPr txBox="1"/>
+          <p:cNvPr id="107" name="CustomShape 2"/>
+          <p:cNvSpPr/>
           <p:nvPr/>
         </p:nvSpPr>
         <p:spPr>
           <a:xfrm>
             <a:off x="312120" y="444960"/>
-            <a:ext cx="8520120" cy="572400"/>
+            <a:ext cx="8519400" cy="571680"/>
           </a:xfrm>
           <a:prstGeom prst="rect">
             <a:avLst/>
@@ -5995,8 +6011,14 @@
             <a:noFill/>
           </a:ln>
         </p:spPr>
-        <p:txBody>
-          <a:bodyPr tIns="91440" bIns="91440"/>
+        <p:style>
+          <a:lnRef idx="0"/>
+          <a:fillRef idx="0"/>
+          <a:effectRef idx="0"/>
+          <a:fontRef idx="minor"/>
+        </p:style>
+        <p:txBody>
+          <a:bodyPr lIns="90000" rIns="90000" tIns="91440" bIns="91440"/>
           <a:p>
             <a:pPr>
               <a:lnSpc>
